--- a/slides/080.pptx
+++ b/slides/080.pptx
@@ -7,6 +7,9 @@
   <p:sldIdLst>
     <p:sldId id="259" r:id="rId2"/>
     <p:sldId id="260" r:id="rId3"/>
+    <p:sldId id="261" r:id="rId4"/>
+    <p:sldId id="262" r:id="rId5"/>
+    <p:sldId id="263" r:id="rId6"/>
   </p:sldIdLst>
   <p:sldSz cx="12192000" cy="6858000"/>
   <p:notesSz cx="6858000" cy="9144000"/>
@@ -260,7 +263,7 @@
           <a:p>
             <a:fld id="{5AEC58D5-D0FD-5D43-AC21-2C9A8E377766}" type="datetimeFigureOut">
               <a:rPr lang="en-US" smtClean="0"/>
-              <a:t>2/16/18</a:t>
+              <a:t>2/17/18</a:t>
             </a:fld>
             <a:endParaRPr lang="en-US"/>
           </a:p>
@@ -458,7 +461,7 @@
           <a:p>
             <a:fld id="{5AEC58D5-D0FD-5D43-AC21-2C9A8E377766}" type="datetimeFigureOut">
               <a:rPr lang="en-US" smtClean="0"/>
-              <a:t>2/16/18</a:t>
+              <a:t>2/17/18</a:t>
             </a:fld>
             <a:endParaRPr lang="en-US"/>
           </a:p>
@@ -666,7 +669,7 @@
           <a:p>
             <a:fld id="{5AEC58D5-D0FD-5D43-AC21-2C9A8E377766}" type="datetimeFigureOut">
               <a:rPr lang="en-US" smtClean="0"/>
-              <a:t>2/16/18</a:t>
+              <a:t>2/17/18</a:t>
             </a:fld>
             <a:endParaRPr lang="en-US"/>
           </a:p>
@@ -864,7 +867,7 @@
           <a:p>
             <a:fld id="{5AEC58D5-D0FD-5D43-AC21-2C9A8E377766}" type="datetimeFigureOut">
               <a:rPr lang="en-US" smtClean="0"/>
-              <a:t>2/16/18</a:t>
+              <a:t>2/17/18</a:t>
             </a:fld>
             <a:endParaRPr lang="en-US"/>
           </a:p>
@@ -1139,7 +1142,7 @@
           <a:p>
             <a:fld id="{5AEC58D5-D0FD-5D43-AC21-2C9A8E377766}" type="datetimeFigureOut">
               <a:rPr lang="en-US" smtClean="0"/>
-              <a:t>2/16/18</a:t>
+              <a:t>2/17/18</a:t>
             </a:fld>
             <a:endParaRPr lang="en-US"/>
           </a:p>
@@ -1404,7 +1407,7 @@
           <a:p>
             <a:fld id="{5AEC58D5-D0FD-5D43-AC21-2C9A8E377766}" type="datetimeFigureOut">
               <a:rPr lang="en-US" smtClean="0"/>
-              <a:t>2/16/18</a:t>
+              <a:t>2/17/18</a:t>
             </a:fld>
             <a:endParaRPr lang="en-US"/>
           </a:p>
@@ -1816,7 +1819,7 @@
           <a:p>
             <a:fld id="{5AEC58D5-D0FD-5D43-AC21-2C9A8E377766}" type="datetimeFigureOut">
               <a:rPr lang="en-US" smtClean="0"/>
-              <a:t>2/16/18</a:t>
+              <a:t>2/17/18</a:t>
             </a:fld>
             <a:endParaRPr lang="en-US"/>
           </a:p>
@@ -1957,7 +1960,7 @@
           <a:p>
             <a:fld id="{5AEC58D5-D0FD-5D43-AC21-2C9A8E377766}" type="datetimeFigureOut">
               <a:rPr lang="en-US" smtClean="0"/>
-              <a:t>2/16/18</a:t>
+              <a:t>2/17/18</a:t>
             </a:fld>
             <a:endParaRPr lang="en-US"/>
           </a:p>
@@ -2070,7 +2073,7 @@
           <a:p>
             <a:fld id="{5AEC58D5-D0FD-5D43-AC21-2C9A8E377766}" type="datetimeFigureOut">
               <a:rPr lang="en-US" smtClean="0"/>
-              <a:t>2/16/18</a:t>
+              <a:t>2/17/18</a:t>
             </a:fld>
             <a:endParaRPr lang="en-US"/>
           </a:p>
@@ -2381,7 +2384,7 @@
           <a:p>
             <a:fld id="{5AEC58D5-D0FD-5D43-AC21-2C9A8E377766}" type="datetimeFigureOut">
               <a:rPr lang="en-US" smtClean="0"/>
-              <a:t>2/16/18</a:t>
+              <a:t>2/17/18</a:t>
             </a:fld>
             <a:endParaRPr lang="en-US"/>
           </a:p>
@@ -2669,7 +2672,7 @@
           <a:p>
             <a:fld id="{5AEC58D5-D0FD-5D43-AC21-2C9A8E377766}" type="datetimeFigureOut">
               <a:rPr lang="en-US" smtClean="0"/>
-              <a:t>2/16/18</a:t>
+              <a:t>2/17/18</a:t>
             </a:fld>
             <a:endParaRPr lang="en-US"/>
           </a:p>
@@ -2910,7 +2913,7 @@
           <a:p>
             <a:fld id="{5AEC58D5-D0FD-5D43-AC21-2C9A8E377766}" type="datetimeFigureOut">
               <a:rPr lang="en-US" smtClean="0"/>
-              <a:t>2/16/18</a:t>
+              <a:t>2/17/18</a:t>
             </a:fld>
             <a:endParaRPr lang="en-US"/>
           </a:p>
@@ -4574,8 +4577,8 @@
         </p:nvSpPr>
         <p:spPr>
           <a:xfrm>
-            <a:off x="2589196" y="356134"/>
-            <a:ext cx="2723950" cy="2512194"/>
+            <a:off x="2743201" y="356134"/>
+            <a:ext cx="3311090" cy="2512194"/>
           </a:xfrm>
           <a:prstGeom prst="roundRect">
             <a:avLst/>
@@ -4628,7 +4631,7 @@
         </p:nvSpPr>
         <p:spPr>
           <a:xfrm>
-            <a:off x="2868330" y="651730"/>
+            <a:off x="3609475" y="651730"/>
             <a:ext cx="2164350" cy="686182"/>
           </a:xfrm>
           <a:prstGeom prst="roundRect">
@@ -4694,7 +4697,7 @@
         </p:nvSpPr>
         <p:spPr>
           <a:xfrm>
-            <a:off x="2868330" y="1782908"/>
+            <a:off x="3609475" y="1782908"/>
             <a:ext cx="2164349" cy="686182"/>
           </a:xfrm>
           <a:prstGeom prst="roundRect">
@@ -4760,8 +4763,8 @@
         </p:nvSpPr>
         <p:spPr>
           <a:xfrm>
-            <a:off x="501279" y="1340494"/>
-            <a:ext cx="1414152" cy="461665"/>
+            <a:off x="390203" y="1337912"/>
+            <a:ext cx="2086584" cy="830997"/>
           </a:xfrm>
           <a:prstGeom prst="rect">
             <a:avLst/>
@@ -4779,6 +4782,30 @@
               <a:rPr lang="ja-JP" altLang="en-US" sz="2400" b="1" dirty="0">
                 <a:latin typeface="+mn-ea"/>
               </a:rPr>
+              <a:t>クラス</a:t>
+            </a:r>
+            <a:endParaRPr lang="en-US" altLang="ja-JP" sz="2400" b="1" dirty="0">
+              <a:latin typeface="+mn-ea"/>
+            </a:endParaRPr>
+          </a:p>
+          <a:p>
+            <a:pPr algn="ctr"/>
+            <a:r>
+              <a:rPr lang="ja-JP" altLang="en-US" sz="2400" b="1" dirty="0">
+                <a:latin typeface="+mn-ea"/>
+              </a:rPr>
+              <a:t>例</a:t>
+            </a:r>
+            <a:r>
+              <a:rPr lang="en-US" altLang="ja-JP" sz="2400" b="1" dirty="0">
+                <a:latin typeface="+mn-ea"/>
+              </a:rPr>
+              <a:t> : </a:t>
+            </a:r>
+            <a:r>
+              <a:rPr lang="ja-JP" altLang="en-US" sz="2400" b="1" dirty="0">
+                <a:latin typeface="+mn-ea"/>
+              </a:rPr>
               <a:t>リスト型</a:t>
             </a:r>
             <a:endParaRPr lang="en-US" sz="2400" b="1" dirty="0">
@@ -4801,11 +4828,14 @@
         </p:nvSpPr>
         <p:spPr>
           <a:xfrm rot="5400000">
-            <a:off x="3506979" y="3052381"/>
-            <a:ext cx="841591" cy="770020"/>
+            <a:off x="4270853" y="3153112"/>
+            <a:ext cx="841591" cy="568558"/>
           </a:xfrm>
           <a:prstGeom prst="rightArrow">
-            <a:avLst/>
+            <a:avLst>
+              <a:gd name="adj1" fmla="val 50000"/>
+              <a:gd name="adj2" fmla="val 61851"/>
+            </a:avLst>
           </a:prstGeom>
           <a:solidFill>
             <a:schemeClr val="tx2">
@@ -4856,8 +4886,8 @@
         </p:nvSpPr>
         <p:spPr>
           <a:xfrm>
-            <a:off x="2589196" y="4007586"/>
-            <a:ext cx="2685449" cy="2512194"/>
+            <a:off x="2743201" y="4007586"/>
+            <a:ext cx="3272590" cy="2512194"/>
           </a:xfrm>
           <a:prstGeom prst="roundRect">
             <a:avLst/>
@@ -4910,7 +4940,7 @@
         </p:nvSpPr>
         <p:spPr>
           <a:xfrm>
-            <a:off x="2869663" y="4303182"/>
+            <a:off x="3610808" y="4303182"/>
             <a:ext cx="2116225" cy="686182"/>
           </a:xfrm>
           <a:prstGeom prst="roundRect">
@@ -4976,7 +5006,7 @@
         </p:nvSpPr>
         <p:spPr>
           <a:xfrm>
-            <a:off x="2869663" y="5434360"/>
+            <a:off x="3610808" y="5434360"/>
             <a:ext cx="2116225" cy="686182"/>
           </a:xfrm>
           <a:prstGeom prst="roundRect">
@@ -5042,7 +5072,7 @@
         </p:nvSpPr>
         <p:spPr>
           <a:xfrm>
-            <a:off x="148523" y="4577122"/>
+            <a:off x="283276" y="4577652"/>
             <a:ext cx="2300439" cy="1200329"/>
           </a:xfrm>
           <a:prstGeom prst="rect">
@@ -5061,7 +5091,7 @@
               <a:rPr lang="ja-JP" altLang="en-US" sz="2400" b="1" dirty="0">
                 <a:latin typeface="+mn-ea"/>
               </a:rPr>
-              <a:t>リストの</a:t>
+              <a:t>クラスの</a:t>
             </a:r>
             <a:endParaRPr lang="en-US" altLang="ja-JP" sz="2400" b="1" dirty="0">
               <a:latin typeface="+mn-ea"/>
@@ -5091,11 +5121,19 @@
               <a:rPr lang="en-US" altLang="ja-JP" sz="2400" b="1" dirty="0">
                 <a:latin typeface="+mn-ea"/>
               </a:rPr>
-              <a:t> : </a:t>
+              <a:t> </a:t>
+            </a:r>
+            <a:r>
+              <a:rPr lang="en-US" altLang="ja-JP" sz="2400" b="1" dirty="0">
+                <a:latin typeface="Yu Gothic" panose="020B0400000000000000" pitchFamily="34" charset="-128"/>
+                <a:ea typeface="Yu Gothic" panose="020B0400000000000000" pitchFamily="34" charset="-128"/>
+              </a:rPr>
+              <a:t>: </a:t>
             </a:r>
             <a:r>
               <a:rPr lang="en-US" sz="2400" b="1" dirty="0">
-                <a:latin typeface="+mn-ea"/>
+                <a:latin typeface="Yu Gothic" panose="020B0400000000000000" pitchFamily="34" charset="-128"/>
+                <a:ea typeface="Yu Gothic" panose="020B0400000000000000" pitchFamily="34" charset="-128"/>
               </a:rPr>
               <a:t>[1,2,3]</a:t>
             </a:r>
@@ -5116,15 +5154,13 @@
         </p:nvSpPr>
         <p:spPr>
           <a:xfrm>
-            <a:off x="4312785" y="3167291"/>
+            <a:off x="5053930" y="3167291"/>
             <a:ext cx="2418522" cy="461665"/>
           </a:xfrm>
           <a:prstGeom prst="rect">
             <a:avLst/>
           </a:prstGeom>
-          <a:solidFill>
-            <a:schemeClr val="bg1"/>
-          </a:solidFill>
+          <a:noFill/>
         </p:spPr>
         <p:txBody>
           <a:bodyPr wrap="square" rtlCol="0">
@@ -5173,7 +5209,7 @@
         </p:blipFill>
         <p:spPr>
           <a:xfrm>
-            <a:off x="8499106" y="2157109"/>
+            <a:off x="9230626" y="2269324"/>
             <a:ext cx="2216347" cy="2216347"/>
           </a:xfrm>
           <a:prstGeom prst="rect">
@@ -5181,10 +5217,3841 @@
           </a:prstGeom>
         </p:spPr>
       </p:pic>
+      <p:sp>
+        <p:nvSpPr>
+          <p:cNvPr id="2" name="Bent Arrow 1">
+            <a:extLst>
+              <a:ext uri="{FF2B5EF4-FFF2-40B4-BE49-F238E27FC236}">
+                <a16:creationId xmlns:a16="http://schemas.microsoft.com/office/drawing/2014/main" id="{5FC82FB4-48B6-FF4D-A15B-E90D1A10D268}"/>
+              </a:ext>
+            </a:extLst>
+          </p:cNvPr>
+          <p:cNvSpPr/>
+          <p:nvPr/>
+        </p:nvSpPr>
+        <p:spPr>
+          <a:xfrm flipH="1">
+            <a:off x="6484178" y="1281384"/>
+            <a:ext cx="3939982" cy="856648"/>
+          </a:xfrm>
+          <a:prstGeom prst="bentArrow">
+            <a:avLst/>
+          </a:prstGeom>
+          <a:ln>
+            <a:noFill/>
+          </a:ln>
+        </p:spPr>
+        <p:style>
+          <a:lnRef idx="2">
+            <a:schemeClr val="accent1">
+              <a:shade val="50000"/>
+            </a:schemeClr>
+          </a:lnRef>
+          <a:fillRef idx="1">
+            <a:schemeClr val="accent1"/>
+          </a:fillRef>
+          <a:effectRef idx="0">
+            <a:schemeClr val="accent1"/>
+          </a:effectRef>
+          <a:fontRef idx="minor">
+            <a:schemeClr val="lt1"/>
+          </a:fontRef>
+        </p:style>
+        <p:txBody>
+          <a:bodyPr rtlCol="0" anchor="ctr"/>
+          <a:lstStyle/>
+          <a:p>
+            <a:pPr algn="ctr"/>
+            <a:endParaRPr lang="en-US">
+              <a:solidFill>
+                <a:schemeClr val="tx1"/>
+              </a:solidFill>
+            </a:endParaRPr>
+          </a:p>
+        </p:txBody>
+      </p:sp>
+      <p:sp>
+        <p:nvSpPr>
+          <p:cNvPr id="14" name="Bent Arrow 13">
+            <a:extLst>
+              <a:ext uri="{FF2B5EF4-FFF2-40B4-BE49-F238E27FC236}">
+                <a16:creationId xmlns:a16="http://schemas.microsoft.com/office/drawing/2014/main" id="{0645E59A-FD91-8644-85BC-423E17828493}"/>
+              </a:ext>
+            </a:extLst>
+          </p:cNvPr>
+          <p:cNvSpPr/>
+          <p:nvPr/>
+        </p:nvSpPr>
+        <p:spPr>
+          <a:xfrm flipH="1" flipV="1">
+            <a:off x="6484178" y="4577652"/>
+            <a:ext cx="3939982" cy="856708"/>
+          </a:xfrm>
+          <a:prstGeom prst="bentArrow">
+            <a:avLst/>
+          </a:prstGeom>
+          <a:solidFill>
+            <a:schemeClr val="accent2"/>
+          </a:solidFill>
+          <a:ln>
+            <a:noFill/>
+          </a:ln>
+        </p:spPr>
+        <p:style>
+          <a:lnRef idx="2">
+            <a:schemeClr val="accent1">
+              <a:shade val="50000"/>
+            </a:schemeClr>
+          </a:lnRef>
+          <a:fillRef idx="1">
+            <a:schemeClr val="accent1"/>
+          </a:fillRef>
+          <a:effectRef idx="0">
+            <a:schemeClr val="accent1"/>
+          </a:effectRef>
+          <a:fontRef idx="minor">
+            <a:schemeClr val="lt1"/>
+          </a:fontRef>
+        </p:style>
+        <p:txBody>
+          <a:bodyPr rtlCol="0" anchor="ctr"/>
+          <a:lstStyle/>
+          <a:p>
+            <a:pPr algn="ctr"/>
+            <a:endParaRPr lang="en-US">
+              <a:solidFill>
+                <a:schemeClr val="tx1"/>
+              </a:solidFill>
+            </a:endParaRPr>
+          </a:p>
+        </p:txBody>
+      </p:sp>
+      <p:sp>
+        <p:nvSpPr>
+          <p:cNvPr id="17" name="TextBox 16">
+            <a:extLst>
+              <a:ext uri="{FF2B5EF4-FFF2-40B4-BE49-F238E27FC236}">
+                <a16:creationId xmlns:a16="http://schemas.microsoft.com/office/drawing/2014/main" id="{EF2DB133-1DC5-6248-9751-2121F2F706CA}"/>
+              </a:ext>
+            </a:extLst>
+          </p:cNvPr>
+          <p:cNvSpPr txBox="1"/>
+          <p:nvPr/>
+        </p:nvSpPr>
+        <p:spPr>
+          <a:xfrm>
+            <a:off x="6484178" y="465952"/>
+            <a:ext cx="5092702" cy="769441"/>
+          </a:xfrm>
+          <a:prstGeom prst="rect">
+            <a:avLst/>
+          </a:prstGeom>
+          <a:noFill/>
+        </p:spPr>
+        <p:txBody>
+          <a:bodyPr wrap="square" rtlCol="0">
+            <a:spAutoFit/>
+          </a:bodyPr>
+          <a:lstStyle/>
+          <a:p>
+            <a:pPr marL="342900" indent="-342900">
+              <a:buFont typeface="Arial" panose="020B0604020202020204" pitchFamily="34" charset="0"/>
+              <a:buChar char="•"/>
+            </a:pPr>
+            <a:r>
+              <a:rPr lang="ja-JP" altLang="en-US" sz="2200" b="1" dirty="0">
+                <a:latin typeface="+mn-ea"/>
+              </a:rPr>
+              <a:t>自作クラスの実装</a:t>
+            </a:r>
+            <a:r>
+              <a:rPr lang="en-US" altLang="ja-JP" sz="2200" b="1" dirty="0">
+                <a:latin typeface="+mn-ea"/>
+              </a:rPr>
+              <a:t>(</a:t>
+            </a:r>
+            <a:r>
+              <a:rPr lang="ja-JP" altLang="en-US" sz="2200" b="1" dirty="0">
+                <a:latin typeface="+mn-ea"/>
+              </a:rPr>
+              <a:t>提供済みあり</a:t>
+            </a:r>
+            <a:r>
+              <a:rPr lang="en-US" altLang="ja-JP" sz="2200" b="1" dirty="0">
+                <a:latin typeface="+mn-ea"/>
+              </a:rPr>
+              <a:t>)</a:t>
+            </a:r>
+          </a:p>
+          <a:p>
+            <a:pPr marL="342900" indent="-342900">
+              <a:buFont typeface="Arial" panose="020B0604020202020204" pitchFamily="34" charset="0"/>
+              <a:buChar char="•"/>
+            </a:pPr>
+            <a:r>
+              <a:rPr lang="ja-JP" altLang="en-US" sz="2200" b="1" dirty="0">
+                <a:latin typeface="+mn-ea"/>
+              </a:rPr>
+              <a:t>インスタンスの作成</a:t>
+            </a:r>
+            <a:endParaRPr lang="en-US" sz="2200" b="1" dirty="0">
+              <a:latin typeface="+mn-ea"/>
+            </a:endParaRPr>
+          </a:p>
+        </p:txBody>
+      </p:sp>
+      <p:sp>
+        <p:nvSpPr>
+          <p:cNvPr id="18" name="TextBox 17">
+            <a:extLst>
+              <a:ext uri="{FF2B5EF4-FFF2-40B4-BE49-F238E27FC236}">
+                <a16:creationId xmlns:a16="http://schemas.microsoft.com/office/drawing/2014/main" id="{2DA931D5-B648-5B45-86A9-80C8DD7D3A5F}"/>
+              </a:ext>
+            </a:extLst>
+          </p:cNvPr>
+          <p:cNvSpPr txBox="1"/>
+          <p:nvPr/>
+        </p:nvSpPr>
+        <p:spPr>
+          <a:xfrm>
+            <a:off x="6486490" y="5560854"/>
+            <a:ext cx="3937670" cy="769441"/>
+          </a:xfrm>
+          <a:prstGeom prst="rect">
+            <a:avLst/>
+          </a:prstGeom>
+          <a:noFill/>
+        </p:spPr>
+        <p:txBody>
+          <a:bodyPr wrap="square" rtlCol="0">
+            <a:spAutoFit/>
+          </a:bodyPr>
+          <a:lstStyle/>
+          <a:p>
+            <a:pPr marL="342900" indent="-342900">
+              <a:buFont typeface="Arial" panose="020B0604020202020204" pitchFamily="34" charset="0"/>
+              <a:buChar char="•"/>
+            </a:pPr>
+            <a:r>
+              <a:rPr lang="ja-JP" altLang="en-US" sz="2200" b="1" dirty="0">
+                <a:latin typeface="+mn-ea"/>
+              </a:rPr>
+              <a:t>メソッドの呼び出し</a:t>
+            </a:r>
+            <a:endParaRPr lang="en-US" altLang="ja-JP" sz="2200" b="1" dirty="0">
+              <a:latin typeface="+mn-ea"/>
+            </a:endParaRPr>
+          </a:p>
+          <a:p>
+            <a:pPr marL="342900" indent="-342900">
+              <a:buFont typeface="Arial" panose="020B0604020202020204" pitchFamily="34" charset="0"/>
+              <a:buChar char="•"/>
+            </a:pPr>
+            <a:r>
+              <a:rPr lang="ja-JP" altLang="en-US" sz="2200" b="1" dirty="0">
+                <a:latin typeface="+mn-ea"/>
+              </a:rPr>
+              <a:t>内部データの操作</a:t>
+            </a:r>
+            <a:endParaRPr lang="en-US" sz="2200" b="1" dirty="0">
+              <a:latin typeface="+mn-ea"/>
+            </a:endParaRPr>
+          </a:p>
+        </p:txBody>
+      </p:sp>
+      <p:sp>
+        <p:nvSpPr>
+          <p:cNvPr id="20" name="U-Turn Arrow 19">
+            <a:extLst>
+              <a:ext uri="{FF2B5EF4-FFF2-40B4-BE49-F238E27FC236}">
+                <a16:creationId xmlns:a16="http://schemas.microsoft.com/office/drawing/2014/main" id="{526849F7-A2DA-9C48-98AB-13A1163BEA16}"/>
+              </a:ext>
+            </a:extLst>
+          </p:cNvPr>
+          <p:cNvSpPr/>
+          <p:nvPr/>
+        </p:nvSpPr>
+        <p:spPr>
+          <a:xfrm rot="16200000">
+            <a:off x="2495137" y="4888328"/>
+            <a:ext cx="1385740" cy="605421"/>
+          </a:xfrm>
+          <a:prstGeom prst="uturnArrow">
+            <a:avLst>
+              <a:gd name="adj1" fmla="val 26590"/>
+              <a:gd name="adj2" fmla="val 25000"/>
+              <a:gd name="adj3" fmla="val 34540"/>
+              <a:gd name="adj4" fmla="val 41613"/>
+              <a:gd name="adj5" fmla="val 100000"/>
+            </a:avLst>
+          </a:prstGeom>
+          <a:solidFill>
+            <a:schemeClr val="bg1"/>
+          </a:solidFill>
+          <a:ln>
+            <a:noFill/>
+          </a:ln>
+        </p:spPr>
+        <p:style>
+          <a:lnRef idx="2">
+            <a:schemeClr val="accent1">
+              <a:shade val="50000"/>
+            </a:schemeClr>
+          </a:lnRef>
+          <a:fillRef idx="1">
+            <a:schemeClr val="accent1"/>
+          </a:fillRef>
+          <a:effectRef idx="0">
+            <a:schemeClr val="accent1"/>
+          </a:effectRef>
+          <a:fontRef idx="minor">
+            <a:schemeClr val="lt1"/>
+          </a:fontRef>
+        </p:style>
+        <p:txBody>
+          <a:bodyPr rtlCol="0" anchor="ctr"/>
+          <a:lstStyle/>
+          <a:p>
+            <a:pPr algn="ctr"/>
+            <a:endParaRPr lang="en-US">
+              <a:solidFill>
+                <a:schemeClr val="tx1"/>
+              </a:solidFill>
+            </a:endParaRPr>
+          </a:p>
+        </p:txBody>
+      </p:sp>
     </p:spTree>
     <p:extLst>
       <p:ext uri="{BB962C8B-B14F-4D97-AF65-F5344CB8AC3E}">
         <p14:creationId xmlns:p14="http://schemas.microsoft.com/office/powerpoint/2010/main" val="1731174712"/>
+      </p:ext>
+    </p:extLst>
+  </p:cSld>
+  <p:clrMapOvr>
+    <a:masterClrMapping/>
+  </p:clrMapOvr>
+</p:sld>
+</file>
+
+<file path=ppt/slides/slide3.xml><?xml version="1.0" encoding="utf-8"?>
+<p:sld xmlns:a="http://schemas.openxmlformats.org/drawingml/2006/main" xmlns:r="http://schemas.openxmlformats.org/officeDocument/2006/relationships" xmlns:p="http://schemas.openxmlformats.org/presentationml/2006/main">
+  <p:cSld>
+    <p:spTree>
+      <p:nvGrpSpPr>
+        <p:cNvPr id="1" name=""/>
+        <p:cNvGrpSpPr/>
+        <p:nvPr/>
+      </p:nvGrpSpPr>
+      <p:grpSpPr>
+        <a:xfrm>
+          <a:off x="0" y="0"/>
+          <a:ext cx="0" cy="0"/>
+          <a:chOff x="0" y="0"/>
+          <a:chExt cx="0" cy="0"/>
+        </a:xfrm>
+      </p:grpSpPr>
+      <p:sp>
+        <p:nvSpPr>
+          <p:cNvPr id="4" name="Rounded Rectangle 3">
+            <a:extLst>
+              <a:ext uri="{FF2B5EF4-FFF2-40B4-BE49-F238E27FC236}">
+                <a16:creationId xmlns:a16="http://schemas.microsoft.com/office/drawing/2014/main" id="{55E5A360-9A3C-334B-860D-4B23FDF6B1CA}"/>
+              </a:ext>
+            </a:extLst>
+          </p:cNvPr>
+          <p:cNvSpPr/>
+          <p:nvPr/>
+        </p:nvSpPr>
+        <p:spPr>
+          <a:xfrm>
+            <a:off x="484907" y="1376094"/>
+            <a:ext cx="2438400" cy="2512194"/>
+          </a:xfrm>
+          <a:prstGeom prst="roundRect">
+            <a:avLst/>
+          </a:prstGeom>
+          <a:solidFill>
+            <a:schemeClr val="accent1"/>
+          </a:solidFill>
+          <a:ln w="76200">
+            <a:noFill/>
+          </a:ln>
+        </p:spPr>
+        <p:style>
+          <a:lnRef idx="2">
+            <a:schemeClr val="accent1">
+              <a:shade val="50000"/>
+            </a:schemeClr>
+          </a:lnRef>
+          <a:fillRef idx="1">
+            <a:schemeClr val="accent1"/>
+          </a:fillRef>
+          <a:effectRef idx="0">
+            <a:schemeClr val="accent1"/>
+          </a:effectRef>
+          <a:fontRef idx="minor">
+            <a:schemeClr val="lt1"/>
+          </a:fontRef>
+        </p:style>
+        <p:txBody>
+          <a:bodyPr rtlCol="0" anchor="ctr"/>
+          <a:lstStyle/>
+          <a:p>
+            <a:pPr algn="ctr"/>
+            <a:endParaRPr lang="en-US" b="1">
+              <a:latin typeface="+mn-ea"/>
+            </a:endParaRPr>
+          </a:p>
+        </p:txBody>
+      </p:sp>
+      <p:sp>
+        <p:nvSpPr>
+          <p:cNvPr id="5" name="Rounded Rectangle 4">
+            <a:extLst>
+              <a:ext uri="{FF2B5EF4-FFF2-40B4-BE49-F238E27FC236}">
+                <a16:creationId xmlns:a16="http://schemas.microsoft.com/office/drawing/2014/main" id="{AC838D23-970D-DD46-8E53-A25B6C7E9CDE}"/>
+              </a:ext>
+            </a:extLst>
+          </p:cNvPr>
+          <p:cNvSpPr/>
+          <p:nvPr/>
+        </p:nvSpPr>
+        <p:spPr>
+          <a:xfrm>
+            <a:off x="769291" y="1671690"/>
+            <a:ext cx="1821507" cy="686182"/>
+          </a:xfrm>
+          <a:prstGeom prst="roundRect">
+            <a:avLst/>
+          </a:prstGeom>
+          <a:solidFill>
+            <a:schemeClr val="bg1"/>
+          </a:solidFill>
+          <a:ln w="76200">
+            <a:noFill/>
+          </a:ln>
+        </p:spPr>
+        <p:style>
+          <a:lnRef idx="2">
+            <a:schemeClr val="accent1">
+              <a:shade val="50000"/>
+            </a:schemeClr>
+          </a:lnRef>
+          <a:fillRef idx="1">
+            <a:schemeClr val="accent1"/>
+          </a:fillRef>
+          <a:effectRef idx="0">
+            <a:schemeClr val="accent1"/>
+          </a:effectRef>
+          <a:fontRef idx="minor">
+            <a:schemeClr val="lt1"/>
+          </a:fontRef>
+        </p:style>
+        <p:txBody>
+          <a:bodyPr rtlCol="0" anchor="ctr"/>
+          <a:lstStyle/>
+          <a:p>
+            <a:pPr algn="ctr"/>
+            <a:r>
+              <a:rPr lang="en-US" sz="2400" b="1" dirty="0">
+                <a:solidFill>
+                  <a:schemeClr val="accent1"/>
+                </a:solidFill>
+                <a:latin typeface="Yu Gothic" panose="020B0400000000000000" pitchFamily="34" charset="-128"/>
+                <a:ea typeface="Yu Gothic" panose="020B0400000000000000" pitchFamily="34" charset="-128"/>
+              </a:rPr>
+              <a:t>[1, 2, 3]</a:t>
+            </a:r>
+          </a:p>
+        </p:txBody>
+      </p:sp>
+      <p:sp>
+        <p:nvSpPr>
+          <p:cNvPr id="6" name="Rounded Rectangle 5">
+            <a:extLst>
+              <a:ext uri="{FF2B5EF4-FFF2-40B4-BE49-F238E27FC236}">
+                <a16:creationId xmlns:a16="http://schemas.microsoft.com/office/drawing/2014/main" id="{050B7C27-EFE2-2D42-8D94-0EB2EDDC8C28}"/>
+              </a:ext>
+            </a:extLst>
+          </p:cNvPr>
+          <p:cNvSpPr/>
+          <p:nvPr/>
+        </p:nvSpPr>
+        <p:spPr>
+          <a:xfrm>
+            <a:off x="769291" y="2802868"/>
+            <a:ext cx="1821507" cy="686182"/>
+          </a:xfrm>
+          <a:prstGeom prst="roundRect">
+            <a:avLst/>
+          </a:prstGeom>
+          <a:solidFill>
+            <a:schemeClr val="bg1"/>
+          </a:solidFill>
+          <a:ln w="76200">
+            <a:noFill/>
+          </a:ln>
+        </p:spPr>
+        <p:style>
+          <a:lnRef idx="2">
+            <a:schemeClr val="accent1">
+              <a:shade val="50000"/>
+            </a:schemeClr>
+          </a:lnRef>
+          <a:fillRef idx="1">
+            <a:schemeClr val="accent1"/>
+          </a:fillRef>
+          <a:effectRef idx="0">
+            <a:schemeClr val="accent1"/>
+          </a:effectRef>
+          <a:fontRef idx="minor">
+            <a:schemeClr val="lt1"/>
+          </a:fontRef>
+        </p:style>
+        <p:txBody>
+          <a:bodyPr rtlCol="0" anchor="ctr"/>
+          <a:lstStyle/>
+          <a:p>
+            <a:pPr algn="ctr"/>
+            <a:r>
+              <a:rPr lang="ja-JP" altLang="en-US" b="1" dirty="0">
+                <a:solidFill>
+                  <a:schemeClr val="accent1"/>
+                </a:solidFill>
+                <a:latin typeface="+mn-ea"/>
+              </a:rPr>
+              <a:t>メソッド</a:t>
+            </a:r>
+            <a:endParaRPr lang="en-US" b="1" dirty="0">
+              <a:solidFill>
+                <a:schemeClr val="accent1"/>
+              </a:solidFill>
+              <a:latin typeface="+mn-ea"/>
+            </a:endParaRPr>
+          </a:p>
+        </p:txBody>
+      </p:sp>
+      <p:sp>
+        <p:nvSpPr>
+          <p:cNvPr id="7" name="Right Arrow 6">
+            <a:extLst>
+              <a:ext uri="{FF2B5EF4-FFF2-40B4-BE49-F238E27FC236}">
+                <a16:creationId xmlns:a16="http://schemas.microsoft.com/office/drawing/2014/main" id="{2941E7CA-B7A8-0A44-8009-54A6120831A3}"/>
+              </a:ext>
+            </a:extLst>
+          </p:cNvPr>
+          <p:cNvSpPr/>
+          <p:nvPr/>
+        </p:nvSpPr>
+        <p:spPr>
+          <a:xfrm>
+            <a:off x="3257950" y="2570572"/>
+            <a:ext cx="1267442" cy="568558"/>
+          </a:xfrm>
+          <a:prstGeom prst="rightArrow">
+            <a:avLst>
+              <a:gd name="adj1" fmla="val 50000"/>
+              <a:gd name="adj2" fmla="val 61851"/>
+            </a:avLst>
+          </a:prstGeom>
+          <a:solidFill>
+            <a:schemeClr val="tx2">
+              <a:lumMod val="65000"/>
+              <a:lumOff val="35000"/>
+            </a:schemeClr>
+          </a:solidFill>
+          <a:ln>
+            <a:noFill/>
+          </a:ln>
+        </p:spPr>
+        <p:style>
+          <a:lnRef idx="2">
+            <a:schemeClr val="accent1">
+              <a:shade val="50000"/>
+            </a:schemeClr>
+          </a:lnRef>
+          <a:fillRef idx="1">
+            <a:schemeClr val="accent1"/>
+          </a:fillRef>
+          <a:effectRef idx="0">
+            <a:schemeClr val="accent1"/>
+          </a:effectRef>
+          <a:fontRef idx="minor">
+            <a:schemeClr val="lt1"/>
+          </a:fontRef>
+        </p:style>
+        <p:txBody>
+          <a:bodyPr rtlCol="0" anchor="ctr"/>
+          <a:lstStyle/>
+          <a:p>
+            <a:pPr algn="ctr"/>
+            <a:endParaRPr lang="en-US" b="1">
+              <a:latin typeface="+mn-ea"/>
+            </a:endParaRPr>
+          </a:p>
+        </p:txBody>
+      </p:sp>
+      <p:sp>
+        <p:nvSpPr>
+          <p:cNvPr id="8" name="Rounded Rectangle 7">
+            <a:extLst>
+              <a:ext uri="{FF2B5EF4-FFF2-40B4-BE49-F238E27FC236}">
+                <a16:creationId xmlns:a16="http://schemas.microsoft.com/office/drawing/2014/main" id="{61781C76-0ACB-E74D-9BE1-667B3D72BB96}"/>
+              </a:ext>
+            </a:extLst>
+          </p:cNvPr>
+          <p:cNvSpPr/>
+          <p:nvPr/>
+        </p:nvSpPr>
+        <p:spPr>
+          <a:xfrm>
+            <a:off x="4857901" y="1411241"/>
+            <a:ext cx="2438400" cy="2512194"/>
+          </a:xfrm>
+          <a:prstGeom prst="roundRect">
+            <a:avLst/>
+          </a:prstGeom>
+          <a:solidFill>
+            <a:schemeClr val="accent1"/>
+          </a:solidFill>
+          <a:ln w="76200">
+            <a:noFill/>
+          </a:ln>
+        </p:spPr>
+        <p:style>
+          <a:lnRef idx="2">
+            <a:schemeClr val="accent1">
+              <a:shade val="50000"/>
+            </a:schemeClr>
+          </a:lnRef>
+          <a:fillRef idx="1">
+            <a:schemeClr val="accent1"/>
+          </a:fillRef>
+          <a:effectRef idx="0">
+            <a:schemeClr val="accent1"/>
+          </a:effectRef>
+          <a:fontRef idx="minor">
+            <a:schemeClr val="lt1"/>
+          </a:fontRef>
+        </p:style>
+        <p:txBody>
+          <a:bodyPr rtlCol="0" anchor="ctr"/>
+          <a:lstStyle/>
+          <a:p>
+            <a:pPr algn="ctr"/>
+            <a:endParaRPr lang="en-US" b="1">
+              <a:latin typeface="+mn-ea"/>
+            </a:endParaRPr>
+          </a:p>
+        </p:txBody>
+      </p:sp>
+      <p:sp>
+        <p:nvSpPr>
+          <p:cNvPr id="9" name="Rounded Rectangle 8">
+            <a:extLst>
+              <a:ext uri="{FF2B5EF4-FFF2-40B4-BE49-F238E27FC236}">
+                <a16:creationId xmlns:a16="http://schemas.microsoft.com/office/drawing/2014/main" id="{947BC1EB-46F5-E441-A2C5-C823D6BFF32D}"/>
+              </a:ext>
+            </a:extLst>
+          </p:cNvPr>
+          <p:cNvSpPr/>
+          <p:nvPr/>
+        </p:nvSpPr>
+        <p:spPr>
+          <a:xfrm>
+            <a:off x="5142285" y="1706837"/>
+            <a:ext cx="1821507" cy="686182"/>
+          </a:xfrm>
+          <a:prstGeom prst="roundRect">
+            <a:avLst/>
+          </a:prstGeom>
+          <a:solidFill>
+            <a:schemeClr val="bg1"/>
+          </a:solidFill>
+          <a:ln w="76200">
+            <a:noFill/>
+          </a:ln>
+        </p:spPr>
+        <p:style>
+          <a:lnRef idx="2">
+            <a:schemeClr val="accent1">
+              <a:shade val="50000"/>
+            </a:schemeClr>
+          </a:lnRef>
+          <a:fillRef idx="1">
+            <a:schemeClr val="accent1"/>
+          </a:fillRef>
+          <a:effectRef idx="0">
+            <a:schemeClr val="accent1"/>
+          </a:effectRef>
+          <a:fontRef idx="minor">
+            <a:schemeClr val="lt1"/>
+          </a:fontRef>
+        </p:style>
+        <p:txBody>
+          <a:bodyPr rtlCol="0" anchor="ctr"/>
+          <a:lstStyle/>
+          <a:p>
+            <a:pPr algn="ctr"/>
+            <a:r>
+              <a:rPr lang="en-US" sz="2400" b="1" dirty="0">
+                <a:solidFill>
+                  <a:schemeClr val="accent1"/>
+                </a:solidFill>
+                <a:latin typeface="Yu Gothic" panose="020B0400000000000000" pitchFamily="34" charset="-128"/>
+                <a:ea typeface="Yu Gothic" panose="020B0400000000000000" pitchFamily="34" charset="-128"/>
+              </a:rPr>
+              <a:t>[1, 2, 3, 4]</a:t>
+            </a:r>
+          </a:p>
+        </p:txBody>
+      </p:sp>
+      <p:sp>
+        <p:nvSpPr>
+          <p:cNvPr id="10" name="Rounded Rectangle 9">
+            <a:extLst>
+              <a:ext uri="{FF2B5EF4-FFF2-40B4-BE49-F238E27FC236}">
+                <a16:creationId xmlns:a16="http://schemas.microsoft.com/office/drawing/2014/main" id="{F0D70EB0-64EF-0F48-ADD4-77672B2C7F28}"/>
+              </a:ext>
+            </a:extLst>
+          </p:cNvPr>
+          <p:cNvSpPr/>
+          <p:nvPr/>
+        </p:nvSpPr>
+        <p:spPr>
+          <a:xfrm>
+            <a:off x="5142285" y="2838015"/>
+            <a:ext cx="1821507" cy="686182"/>
+          </a:xfrm>
+          <a:prstGeom prst="roundRect">
+            <a:avLst/>
+          </a:prstGeom>
+          <a:solidFill>
+            <a:schemeClr val="bg1"/>
+          </a:solidFill>
+          <a:ln w="76200">
+            <a:noFill/>
+          </a:ln>
+        </p:spPr>
+        <p:style>
+          <a:lnRef idx="2">
+            <a:schemeClr val="accent1">
+              <a:shade val="50000"/>
+            </a:schemeClr>
+          </a:lnRef>
+          <a:fillRef idx="1">
+            <a:schemeClr val="accent1"/>
+          </a:fillRef>
+          <a:effectRef idx="0">
+            <a:schemeClr val="accent1"/>
+          </a:effectRef>
+          <a:fontRef idx="minor">
+            <a:schemeClr val="lt1"/>
+          </a:fontRef>
+        </p:style>
+        <p:txBody>
+          <a:bodyPr rtlCol="0" anchor="ctr"/>
+          <a:lstStyle/>
+          <a:p>
+            <a:pPr algn="ctr"/>
+            <a:r>
+              <a:rPr lang="ja-JP" altLang="en-US" b="1" dirty="0">
+                <a:solidFill>
+                  <a:schemeClr val="accent1"/>
+                </a:solidFill>
+                <a:latin typeface="+mn-ea"/>
+              </a:rPr>
+              <a:t>メソッド</a:t>
+            </a:r>
+            <a:endParaRPr lang="en-US" b="1" dirty="0">
+              <a:solidFill>
+                <a:schemeClr val="accent1"/>
+              </a:solidFill>
+              <a:latin typeface="+mn-ea"/>
+            </a:endParaRPr>
+          </a:p>
+        </p:txBody>
+      </p:sp>
+      <p:sp>
+        <p:nvSpPr>
+          <p:cNvPr id="11" name="Rounded Rectangle 10">
+            <a:extLst>
+              <a:ext uri="{FF2B5EF4-FFF2-40B4-BE49-F238E27FC236}">
+                <a16:creationId xmlns:a16="http://schemas.microsoft.com/office/drawing/2014/main" id="{4658E020-72FF-A54F-A6AB-115E7262667E}"/>
+              </a:ext>
+            </a:extLst>
+          </p:cNvPr>
+          <p:cNvSpPr/>
+          <p:nvPr/>
+        </p:nvSpPr>
+        <p:spPr>
+          <a:xfrm>
+            <a:off x="9230895" y="1376094"/>
+            <a:ext cx="2438400" cy="2512194"/>
+          </a:xfrm>
+          <a:prstGeom prst="roundRect">
+            <a:avLst/>
+          </a:prstGeom>
+          <a:solidFill>
+            <a:schemeClr val="accent1"/>
+          </a:solidFill>
+          <a:ln w="76200">
+            <a:noFill/>
+          </a:ln>
+        </p:spPr>
+        <p:style>
+          <a:lnRef idx="2">
+            <a:schemeClr val="accent1">
+              <a:shade val="50000"/>
+            </a:schemeClr>
+          </a:lnRef>
+          <a:fillRef idx="1">
+            <a:schemeClr val="accent1"/>
+          </a:fillRef>
+          <a:effectRef idx="0">
+            <a:schemeClr val="accent1"/>
+          </a:effectRef>
+          <a:fontRef idx="minor">
+            <a:schemeClr val="lt1"/>
+          </a:fontRef>
+        </p:style>
+        <p:txBody>
+          <a:bodyPr rtlCol="0" anchor="ctr"/>
+          <a:lstStyle/>
+          <a:p>
+            <a:pPr algn="ctr"/>
+            <a:endParaRPr lang="en-US" b="1">
+              <a:latin typeface="+mn-ea"/>
+            </a:endParaRPr>
+          </a:p>
+        </p:txBody>
+      </p:sp>
+      <p:sp>
+        <p:nvSpPr>
+          <p:cNvPr id="12" name="Rounded Rectangle 11">
+            <a:extLst>
+              <a:ext uri="{FF2B5EF4-FFF2-40B4-BE49-F238E27FC236}">
+                <a16:creationId xmlns:a16="http://schemas.microsoft.com/office/drawing/2014/main" id="{9A5E71AC-9884-1049-9CD6-AE755AEABA2F}"/>
+              </a:ext>
+            </a:extLst>
+          </p:cNvPr>
+          <p:cNvSpPr/>
+          <p:nvPr/>
+        </p:nvSpPr>
+        <p:spPr>
+          <a:xfrm>
+            <a:off x="9515279" y="1671690"/>
+            <a:ext cx="1821507" cy="686182"/>
+          </a:xfrm>
+          <a:prstGeom prst="roundRect">
+            <a:avLst/>
+          </a:prstGeom>
+          <a:solidFill>
+            <a:schemeClr val="bg1"/>
+          </a:solidFill>
+          <a:ln w="76200">
+            <a:noFill/>
+          </a:ln>
+        </p:spPr>
+        <p:style>
+          <a:lnRef idx="2">
+            <a:schemeClr val="accent1">
+              <a:shade val="50000"/>
+            </a:schemeClr>
+          </a:lnRef>
+          <a:fillRef idx="1">
+            <a:schemeClr val="accent1"/>
+          </a:fillRef>
+          <a:effectRef idx="0">
+            <a:schemeClr val="accent1"/>
+          </a:effectRef>
+          <a:fontRef idx="minor">
+            <a:schemeClr val="lt1"/>
+          </a:fontRef>
+        </p:style>
+        <p:txBody>
+          <a:bodyPr rtlCol="0" anchor="ctr"/>
+          <a:lstStyle/>
+          <a:p>
+            <a:pPr algn="ctr"/>
+            <a:r>
+              <a:rPr lang="en-US" sz="2400" b="1" dirty="0">
+                <a:solidFill>
+                  <a:schemeClr val="accent1"/>
+                </a:solidFill>
+                <a:latin typeface="Yu Gothic" panose="020B0400000000000000" pitchFamily="34" charset="-128"/>
+                <a:ea typeface="Yu Gothic" panose="020B0400000000000000" pitchFamily="34" charset="-128"/>
+              </a:rPr>
+              <a:t>[1, 2, 3]</a:t>
+            </a:r>
+          </a:p>
+        </p:txBody>
+      </p:sp>
+      <p:sp>
+        <p:nvSpPr>
+          <p:cNvPr id="13" name="Rounded Rectangle 12">
+            <a:extLst>
+              <a:ext uri="{FF2B5EF4-FFF2-40B4-BE49-F238E27FC236}">
+                <a16:creationId xmlns:a16="http://schemas.microsoft.com/office/drawing/2014/main" id="{CF3B8A58-E223-7148-A703-961CC14719AF}"/>
+              </a:ext>
+            </a:extLst>
+          </p:cNvPr>
+          <p:cNvSpPr/>
+          <p:nvPr/>
+        </p:nvSpPr>
+        <p:spPr>
+          <a:xfrm>
+            <a:off x="9515279" y="2802868"/>
+            <a:ext cx="1821507" cy="686182"/>
+          </a:xfrm>
+          <a:prstGeom prst="roundRect">
+            <a:avLst/>
+          </a:prstGeom>
+          <a:solidFill>
+            <a:schemeClr val="bg1"/>
+          </a:solidFill>
+          <a:ln w="76200">
+            <a:noFill/>
+          </a:ln>
+        </p:spPr>
+        <p:style>
+          <a:lnRef idx="2">
+            <a:schemeClr val="accent1">
+              <a:shade val="50000"/>
+            </a:schemeClr>
+          </a:lnRef>
+          <a:fillRef idx="1">
+            <a:schemeClr val="accent1"/>
+          </a:fillRef>
+          <a:effectRef idx="0">
+            <a:schemeClr val="accent1"/>
+          </a:effectRef>
+          <a:fontRef idx="minor">
+            <a:schemeClr val="lt1"/>
+          </a:fontRef>
+        </p:style>
+        <p:txBody>
+          <a:bodyPr rtlCol="0" anchor="ctr"/>
+          <a:lstStyle/>
+          <a:p>
+            <a:pPr algn="ctr"/>
+            <a:r>
+              <a:rPr lang="ja-JP" altLang="en-US" b="1" dirty="0">
+                <a:solidFill>
+                  <a:schemeClr val="accent1"/>
+                </a:solidFill>
+                <a:latin typeface="+mn-ea"/>
+              </a:rPr>
+              <a:t>メソッド</a:t>
+            </a:r>
+            <a:endParaRPr lang="en-US" b="1" dirty="0">
+              <a:solidFill>
+                <a:schemeClr val="accent1"/>
+              </a:solidFill>
+              <a:latin typeface="+mn-ea"/>
+            </a:endParaRPr>
+          </a:p>
+        </p:txBody>
+      </p:sp>
+      <p:sp>
+        <p:nvSpPr>
+          <p:cNvPr id="14" name="Right Arrow 13">
+            <a:extLst>
+              <a:ext uri="{FF2B5EF4-FFF2-40B4-BE49-F238E27FC236}">
+                <a16:creationId xmlns:a16="http://schemas.microsoft.com/office/drawing/2014/main" id="{07350138-8AE5-E742-A9EF-99FD0E93E2B3}"/>
+              </a:ext>
+            </a:extLst>
+          </p:cNvPr>
+          <p:cNvSpPr/>
+          <p:nvPr/>
+        </p:nvSpPr>
+        <p:spPr>
+          <a:xfrm>
+            <a:off x="7648816" y="2577849"/>
+            <a:ext cx="1267442" cy="568558"/>
+          </a:xfrm>
+          <a:prstGeom prst="rightArrow">
+            <a:avLst>
+              <a:gd name="adj1" fmla="val 50000"/>
+              <a:gd name="adj2" fmla="val 61851"/>
+            </a:avLst>
+          </a:prstGeom>
+          <a:solidFill>
+            <a:schemeClr val="tx2">
+              <a:lumMod val="65000"/>
+              <a:lumOff val="35000"/>
+            </a:schemeClr>
+          </a:solidFill>
+          <a:ln>
+            <a:noFill/>
+          </a:ln>
+        </p:spPr>
+        <p:style>
+          <a:lnRef idx="2">
+            <a:schemeClr val="accent1">
+              <a:shade val="50000"/>
+            </a:schemeClr>
+          </a:lnRef>
+          <a:fillRef idx="1">
+            <a:schemeClr val="accent1"/>
+          </a:fillRef>
+          <a:effectRef idx="0">
+            <a:schemeClr val="accent1"/>
+          </a:effectRef>
+          <a:fontRef idx="minor">
+            <a:schemeClr val="lt1"/>
+          </a:fontRef>
+        </p:style>
+        <p:txBody>
+          <a:bodyPr rtlCol="0" anchor="ctr"/>
+          <a:lstStyle/>
+          <a:p>
+            <a:pPr algn="ctr"/>
+            <a:endParaRPr lang="en-US" b="1">
+              <a:latin typeface="+mn-ea"/>
+            </a:endParaRPr>
+          </a:p>
+        </p:txBody>
+      </p:sp>
+      <p:sp>
+        <p:nvSpPr>
+          <p:cNvPr id="15" name="TextBox 14">
+            <a:extLst>
+              <a:ext uri="{FF2B5EF4-FFF2-40B4-BE49-F238E27FC236}">
+                <a16:creationId xmlns:a16="http://schemas.microsoft.com/office/drawing/2014/main" id="{C594C5A4-1BBC-5541-92E5-C16501BB8C15}"/>
+              </a:ext>
+            </a:extLst>
+          </p:cNvPr>
+          <p:cNvSpPr txBox="1"/>
+          <p:nvPr/>
+        </p:nvSpPr>
+        <p:spPr>
+          <a:xfrm>
+            <a:off x="3092566" y="2114491"/>
+            <a:ext cx="1596912" cy="430887"/>
+          </a:xfrm>
+          <a:prstGeom prst="rect">
+            <a:avLst/>
+          </a:prstGeom>
+          <a:noFill/>
+        </p:spPr>
+        <p:txBody>
+          <a:bodyPr wrap="none" rtlCol="0">
+            <a:spAutoFit/>
+          </a:bodyPr>
+          <a:lstStyle/>
+          <a:p>
+            <a:r>
+              <a:rPr lang="en-US" sz="2200" b="1" dirty="0">
+                <a:latin typeface="Yu Gothic" panose="020B0400000000000000" pitchFamily="34" charset="-128"/>
+                <a:ea typeface="Yu Gothic" panose="020B0400000000000000" pitchFamily="34" charset="-128"/>
+              </a:rPr>
+              <a:t>append(4)</a:t>
+            </a:r>
+          </a:p>
+        </p:txBody>
+      </p:sp>
+      <p:sp>
+        <p:nvSpPr>
+          <p:cNvPr id="16" name="TextBox 15">
+            <a:extLst>
+              <a:ext uri="{FF2B5EF4-FFF2-40B4-BE49-F238E27FC236}">
+                <a16:creationId xmlns:a16="http://schemas.microsoft.com/office/drawing/2014/main" id="{EE1BA72A-2F6D-0845-B252-86750FDAF4F7}"/>
+              </a:ext>
+            </a:extLst>
+          </p:cNvPr>
+          <p:cNvSpPr txBox="1"/>
+          <p:nvPr/>
+        </p:nvSpPr>
+        <p:spPr>
+          <a:xfrm>
+            <a:off x="7864465" y="2109064"/>
+            <a:ext cx="925253" cy="430887"/>
+          </a:xfrm>
+          <a:prstGeom prst="rect">
+            <a:avLst/>
+          </a:prstGeom>
+          <a:noFill/>
+        </p:spPr>
+        <p:txBody>
+          <a:bodyPr wrap="none" rtlCol="0">
+            <a:spAutoFit/>
+          </a:bodyPr>
+          <a:lstStyle/>
+          <a:p>
+            <a:r>
+              <a:rPr lang="en-US" sz="2200" b="1" dirty="0">
+                <a:latin typeface="Yu Gothic" panose="020B0400000000000000" pitchFamily="34" charset="-128"/>
+                <a:ea typeface="Yu Gothic" panose="020B0400000000000000" pitchFamily="34" charset="-128"/>
+              </a:rPr>
+              <a:t>pop()</a:t>
+            </a:r>
+          </a:p>
+        </p:txBody>
+      </p:sp>
+      <p:sp>
+        <p:nvSpPr>
+          <p:cNvPr id="17" name="TextBox 16">
+            <a:extLst>
+              <a:ext uri="{FF2B5EF4-FFF2-40B4-BE49-F238E27FC236}">
+                <a16:creationId xmlns:a16="http://schemas.microsoft.com/office/drawing/2014/main" id="{9926FEB7-928B-0D45-BF4A-E3DA7332B56D}"/>
+              </a:ext>
+            </a:extLst>
+          </p:cNvPr>
+          <p:cNvSpPr txBox="1"/>
+          <p:nvPr/>
+        </p:nvSpPr>
+        <p:spPr>
+          <a:xfrm>
+            <a:off x="575414" y="831299"/>
+            <a:ext cx="2231701" cy="461665"/>
+          </a:xfrm>
+          <a:prstGeom prst="rect">
+            <a:avLst/>
+          </a:prstGeom>
+          <a:noFill/>
+        </p:spPr>
+        <p:txBody>
+          <a:bodyPr wrap="none" rtlCol="0">
+            <a:spAutoFit/>
+          </a:bodyPr>
+          <a:lstStyle/>
+          <a:p>
+            <a:r>
+              <a:rPr lang="ja-JP" altLang="en-US" sz="2400" b="1" dirty="0">
+                <a:solidFill>
+                  <a:schemeClr val="accent1"/>
+                </a:solidFill>
+                <a:latin typeface="+mn-ea"/>
+              </a:rPr>
+              <a:t>インスタンス</a:t>
+            </a:r>
+            <a:r>
+              <a:rPr lang="en-US" altLang="ja-JP" sz="2400" b="1" dirty="0">
+                <a:solidFill>
+                  <a:schemeClr val="accent1"/>
+                </a:solidFill>
+                <a:latin typeface="+mn-ea"/>
+              </a:rPr>
+              <a:t>A</a:t>
+            </a:r>
+            <a:endParaRPr lang="en-US" sz="2400" b="1" dirty="0">
+              <a:solidFill>
+                <a:schemeClr val="accent1"/>
+              </a:solidFill>
+              <a:latin typeface="+mn-ea"/>
+            </a:endParaRPr>
+          </a:p>
+        </p:txBody>
+      </p:sp>
+      <p:sp>
+        <p:nvSpPr>
+          <p:cNvPr id="18" name="TextBox 17">
+            <a:extLst>
+              <a:ext uri="{FF2B5EF4-FFF2-40B4-BE49-F238E27FC236}">
+                <a16:creationId xmlns:a16="http://schemas.microsoft.com/office/drawing/2014/main" id="{7F37847D-DFAC-F847-9ACF-22DE4A31398A}"/>
+              </a:ext>
+            </a:extLst>
+          </p:cNvPr>
+          <p:cNvSpPr txBox="1"/>
+          <p:nvPr/>
+        </p:nvSpPr>
+        <p:spPr>
+          <a:xfrm>
+            <a:off x="5043163" y="831299"/>
+            <a:ext cx="2231701" cy="461665"/>
+          </a:xfrm>
+          <a:prstGeom prst="rect">
+            <a:avLst/>
+          </a:prstGeom>
+          <a:noFill/>
+        </p:spPr>
+        <p:txBody>
+          <a:bodyPr wrap="none" rtlCol="0">
+            <a:spAutoFit/>
+          </a:bodyPr>
+          <a:lstStyle/>
+          <a:p>
+            <a:r>
+              <a:rPr lang="ja-JP" altLang="en-US" sz="2400" b="1" dirty="0">
+                <a:solidFill>
+                  <a:schemeClr val="accent1"/>
+                </a:solidFill>
+                <a:latin typeface="+mn-ea"/>
+              </a:rPr>
+              <a:t>インスタンス</a:t>
+            </a:r>
+            <a:r>
+              <a:rPr lang="en-US" altLang="ja-JP" sz="2400" b="1" dirty="0">
+                <a:solidFill>
+                  <a:schemeClr val="accent1"/>
+                </a:solidFill>
+                <a:latin typeface="+mn-ea"/>
+              </a:rPr>
+              <a:t>A</a:t>
+            </a:r>
+            <a:endParaRPr lang="en-US" sz="2400" b="1" dirty="0">
+              <a:solidFill>
+                <a:schemeClr val="accent1"/>
+              </a:solidFill>
+              <a:latin typeface="+mn-ea"/>
+            </a:endParaRPr>
+          </a:p>
+        </p:txBody>
+      </p:sp>
+      <p:sp>
+        <p:nvSpPr>
+          <p:cNvPr id="19" name="TextBox 18">
+            <a:extLst>
+              <a:ext uri="{FF2B5EF4-FFF2-40B4-BE49-F238E27FC236}">
+                <a16:creationId xmlns:a16="http://schemas.microsoft.com/office/drawing/2014/main" id="{4B17A074-2A20-E84D-B3E8-C45F4DC43920}"/>
+              </a:ext>
+            </a:extLst>
+          </p:cNvPr>
+          <p:cNvSpPr txBox="1"/>
+          <p:nvPr/>
+        </p:nvSpPr>
+        <p:spPr>
+          <a:xfrm>
+            <a:off x="9321402" y="831299"/>
+            <a:ext cx="2231701" cy="461665"/>
+          </a:xfrm>
+          <a:prstGeom prst="rect">
+            <a:avLst/>
+          </a:prstGeom>
+          <a:noFill/>
+        </p:spPr>
+        <p:txBody>
+          <a:bodyPr wrap="none" rtlCol="0">
+            <a:spAutoFit/>
+          </a:bodyPr>
+          <a:lstStyle/>
+          <a:p>
+            <a:r>
+              <a:rPr lang="ja-JP" altLang="en-US" sz="2400" b="1" dirty="0">
+                <a:solidFill>
+                  <a:schemeClr val="accent1"/>
+                </a:solidFill>
+                <a:latin typeface="+mn-ea"/>
+              </a:rPr>
+              <a:t>インスタンス</a:t>
+            </a:r>
+            <a:r>
+              <a:rPr lang="en-US" altLang="ja-JP" sz="2400" b="1" dirty="0">
+                <a:solidFill>
+                  <a:schemeClr val="accent1"/>
+                </a:solidFill>
+                <a:latin typeface="+mn-ea"/>
+              </a:rPr>
+              <a:t>A</a:t>
+            </a:r>
+            <a:endParaRPr lang="en-US" sz="2400" b="1" dirty="0">
+              <a:solidFill>
+                <a:schemeClr val="accent1"/>
+              </a:solidFill>
+              <a:latin typeface="+mn-ea"/>
+            </a:endParaRPr>
+          </a:p>
+        </p:txBody>
+      </p:sp>
+      <p:sp>
+        <p:nvSpPr>
+          <p:cNvPr id="20" name="TextBox 19">
+            <a:extLst>
+              <a:ext uri="{FF2B5EF4-FFF2-40B4-BE49-F238E27FC236}">
+                <a16:creationId xmlns:a16="http://schemas.microsoft.com/office/drawing/2014/main" id="{F1B4F095-9237-7543-A336-02229808B00B}"/>
+              </a:ext>
+            </a:extLst>
+          </p:cNvPr>
+          <p:cNvSpPr txBox="1"/>
+          <p:nvPr/>
+        </p:nvSpPr>
+        <p:spPr>
+          <a:xfrm>
+            <a:off x="3285728" y="1406605"/>
+            <a:ext cx="1210588" cy="707886"/>
+          </a:xfrm>
+          <a:prstGeom prst="rect">
+            <a:avLst/>
+          </a:prstGeom>
+          <a:noFill/>
+        </p:spPr>
+        <p:txBody>
+          <a:bodyPr wrap="none" rtlCol="0">
+            <a:spAutoFit/>
+          </a:bodyPr>
+          <a:lstStyle/>
+          <a:p>
+            <a:pPr algn="ctr"/>
+            <a:r>
+              <a:rPr lang="ja-JP" altLang="en-US" sz="2000" b="1" dirty="0">
+                <a:latin typeface="+mn-ea"/>
+              </a:rPr>
+              <a:t>メソッド</a:t>
+            </a:r>
+            <a:endParaRPr lang="en-US" altLang="ja-JP" sz="2000" b="1" dirty="0">
+              <a:latin typeface="+mn-ea"/>
+            </a:endParaRPr>
+          </a:p>
+          <a:p>
+            <a:pPr algn="ctr"/>
+            <a:r>
+              <a:rPr lang="ja-JP" altLang="en-US" sz="2000" b="1" dirty="0">
+                <a:latin typeface="+mn-ea"/>
+              </a:rPr>
+              <a:t>呼び出し</a:t>
+            </a:r>
+            <a:endParaRPr lang="en-US" sz="2000" b="1" dirty="0">
+              <a:latin typeface="+mn-ea"/>
+            </a:endParaRPr>
+          </a:p>
+        </p:txBody>
+      </p:sp>
+      <p:sp>
+        <p:nvSpPr>
+          <p:cNvPr id="22" name="TextBox 21">
+            <a:extLst>
+              <a:ext uri="{FF2B5EF4-FFF2-40B4-BE49-F238E27FC236}">
+                <a16:creationId xmlns:a16="http://schemas.microsoft.com/office/drawing/2014/main" id="{8C54769A-CADE-F745-88A1-16B8A5B4784A}"/>
+              </a:ext>
+            </a:extLst>
+          </p:cNvPr>
+          <p:cNvSpPr txBox="1"/>
+          <p:nvPr/>
+        </p:nvSpPr>
+        <p:spPr>
+          <a:xfrm>
+            <a:off x="7671303" y="1403922"/>
+            <a:ext cx="1210588" cy="707886"/>
+          </a:xfrm>
+          <a:prstGeom prst="rect">
+            <a:avLst/>
+          </a:prstGeom>
+          <a:noFill/>
+        </p:spPr>
+        <p:txBody>
+          <a:bodyPr wrap="none" rtlCol="0">
+            <a:spAutoFit/>
+          </a:bodyPr>
+          <a:lstStyle/>
+          <a:p>
+            <a:pPr algn="ctr"/>
+            <a:r>
+              <a:rPr lang="ja-JP" altLang="en-US" sz="2000" b="1" dirty="0">
+                <a:latin typeface="+mn-ea"/>
+              </a:rPr>
+              <a:t>メソッド</a:t>
+            </a:r>
+            <a:endParaRPr lang="en-US" altLang="ja-JP" sz="2000" b="1" dirty="0">
+              <a:latin typeface="+mn-ea"/>
+            </a:endParaRPr>
+          </a:p>
+          <a:p>
+            <a:pPr algn="ctr"/>
+            <a:r>
+              <a:rPr lang="ja-JP" altLang="en-US" sz="2000" b="1" dirty="0">
+                <a:latin typeface="+mn-ea"/>
+              </a:rPr>
+              <a:t>呼び出し</a:t>
+            </a:r>
+            <a:endParaRPr lang="en-US" sz="2000" b="1" dirty="0">
+              <a:latin typeface="+mn-ea"/>
+            </a:endParaRPr>
+          </a:p>
+        </p:txBody>
+      </p:sp>
+      <p:sp>
+        <p:nvSpPr>
+          <p:cNvPr id="36" name="Right Arrow 35">
+            <a:extLst>
+              <a:ext uri="{FF2B5EF4-FFF2-40B4-BE49-F238E27FC236}">
+                <a16:creationId xmlns:a16="http://schemas.microsoft.com/office/drawing/2014/main" id="{1D7B099F-680D-9C45-BFBA-EE256890A7F7}"/>
+              </a:ext>
+            </a:extLst>
+          </p:cNvPr>
+          <p:cNvSpPr/>
+          <p:nvPr/>
+        </p:nvSpPr>
+        <p:spPr>
+          <a:xfrm rot="5400000">
+            <a:off x="2948683" y="4002622"/>
+            <a:ext cx="1852258" cy="568558"/>
+          </a:xfrm>
+          <a:prstGeom prst="rightArrow">
+            <a:avLst>
+              <a:gd name="adj1" fmla="val 50000"/>
+              <a:gd name="adj2" fmla="val 61851"/>
+            </a:avLst>
+          </a:prstGeom>
+          <a:solidFill>
+            <a:schemeClr val="accent2"/>
+          </a:solidFill>
+          <a:ln>
+            <a:noFill/>
+          </a:ln>
+        </p:spPr>
+        <p:style>
+          <a:lnRef idx="2">
+            <a:schemeClr val="accent1">
+              <a:shade val="50000"/>
+            </a:schemeClr>
+          </a:lnRef>
+          <a:fillRef idx="1">
+            <a:schemeClr val="accent1"/>
+          </a:fillRef>
+          <a:effectRef idx="0">
+            <a:schemeClr val="accent1"/>
+          </a:effectRef>
+          <a:fontRef idx="minor">
+            <a:schemeClr val="lt1"/>
+          </a:fontRef>
+        </p:style>
+        <p:txBody>
+          <a:bodyPr rtlCol="0" anchor="ctr"/>
+          <a:lstStyle/>
+          <a:p>
+            <a:pPr algn="ctr"/>
+            <a:endParaRPr lang="en-US" b="1">
+              <a:latin typeface="+mn-ea"/>
+            </a:endParaRPr>
+          </a:p>
+        </p:txBody>
+      </p:sp>
+      <p:sp>
+        <p:nvSpPr>
+          <p:cNvPr id="37" name="Right Arrow 36">
+            <a:extLst>
+              <a:ext uri="{FF2B5EF4-FFF2-40B4-BE49-F238E27FC236}">
+                <a16:creationId xmlns:a16="http://schemas.microsoft.com/office/drawing/2014/main" id="{59237782-4867-4A4F-9E42-05DBE16EEC6F}"/>
+              </a:ext>
+            </a:extLst>
+          </p:cNvPr>
+          <p:cNvSpPr/>
+          <p:nvPr/>
+        </p:nvSpPr>
+        <p:spPr>
+          <a:xfrm rot="5400000">
+            <a:off x="7319793" y="4002623"/>
+            <a:ext cx="1852261" cy="568558"/>
+          </a:xfrm>
+          <a:prstGeom prst="rightArrow">
+            <a:avLst>
+              <a:gd name="adj1" fmla="val 50000"/>
+              <a:gd name="adj2" fmla="val 61851"/>
+            </a:avLst>
+          </a:prstGeom>
+          <a:solidFill>
+            <a:schemeClr val="accent4"/>
+          </a:solidFill>
+          <a:ln>
+            <a:noFill/>
+          </a:ln>
+        </p:spPr>
+        <p:style>
+          <a:lnRef idx="2">
+            <a:schemeClr val="accent1">
+              <a:shade val="50000"/>
+            </a:schemeClr>
+          </a:lnRef>
+          <a:fillRef idx="1">
+            <a:schemeClr val="accent1"/>
+          </a:fillRef>
+          <a:effectRef idx="0">
+            <a:schemeClr val="accent1"/>
+          </a:effectRef>
+          <a:fontRef idx="minor">
+            <a:schemeClr val="lt1"/>
+          </a:fontRef>
+        </p:style>
+        <p:txBody>
+          <a:bodyPr rtlCol="0" anchor="ctr"/>
+          <a:lstStyle/>
+          <a:p>
+            <a:pPr algn="ctr"/>
+            <a:endParaRPr lang="en-US" b="1">
+              <a:latin typeface="+mn-ea"/>
+            </a:endParaRPr>
+          </a:p>
+        </p:txBody>
+      </p:sp>
+      <p:sp>
+        <p:nvSpPr>
+          <p:cNvPr id="38" name="TextBox 37">
+            <a:extLst>
+              <a:ext uri="{FF2B5EF4-FFF2-40B4-BE49-F238E27FC236}">
+                <a16:creationId xmlns:a16="http://schemas.microsoft.com/office/drawing/2014/main" id="{602318CC-6532-4D44-9B66-6D6FD370398E}"/>
+              </a:ext>
+            </a:extLst>
+          </p:cNvPr>
+          <p:cNvSpPr txBox="1"/>
+          <p:nvPr/>
+        </p:nvSpPr>
+        <p:spPr>
+          <a:xfrm>
+            <a:off x="8439204" y="4286900"/>
+            <a:ext cx="954107" cy="400110"/>
+          </a:xfrm>
+          <a:prstGeom prst="rect">
+            <a:avLst/>
+          </a:prstGeom>
+          <a:noFill/>
+        </p:spPr>
+        <p:txBody>
+          <a:bodyPr wrap="none" rtlCol="0">
+            <a:spAutoFit/>
+          </a:bodyPr>
+          <a:lstStyle/>
+          <a:p>
+            <a:pPr algn="ctr"/>
+            <a:r>
+              <a:rPr lang="ja-JP" altLang="en-US" sz="2000" b="1" dirty="0">
+                <a:latin typeface="+mn-ea"/>
+              </a:rPr>
+              <a:t>返り値</a:t>
+            </a:r>
+            <a:endParaRPr lang="en-US" sz="2000" b="1" dirty="0">
+              <a:latin typeface="+mn-ea"/>
+            </a:endParaRPr>
+          </a:p>
+        </p:txBody>
+      </p:sp>
+      <p:sp>
+        <p:nvSpPr>
+          <p:cNvPr id="39" name="TextBox 38">
+            <a:extLst>
+              <a:ext uri="{FF2B5EF4-FFF2-40B4-BE49-F238E27FC236}">
+                <a16:creationId xmlns:a16="http://schemas.microsoft.com/office/drawing/2014/main" id="{250F6ECB-38F1-2440-B920-4D3005E31877}"/>
+              </a:ext>
+            </a:extLst>
+          </p:cNvPr>
+          <p:cNvSpPr txBox="1"/>
+          <p:nvPr/>
+        </p:nvSpPr>
+        <p:spPr>
+          <a:xfrm>
+            <a:off x="4089056" y="4286900"/>
+            <a:ext cx="954107" cy="400110"/>
+          </a:xfrm>
+          <a:prstGeom prst="rect">
+            <a:avLst/>
+          </a:prstGeom>
+          <a:noFill/>
+        </p:spPr>
+        <p:txBody>
+          <a:bodyPr wrap="none" rtlCol="0">
+            <a:spAutoFit/>
+          </a:bodyPr>
+          <a:lstStyle/>
+          <a:p>
+            <a:pPr algn="ctr"/>
+            <a:r>
+              <a:rPr lang="ja-JP" altLang="en-US" sz="2000" b="1" dirty="0">
+                <a:latin typeface="+mn-ea"/>
+              </a:rPr>
+              <a:t>返り値</a:t>
+            </a:r>
+            <a:endParaRPr lang="en-US" sz="2000" b="1" dirty="0">
+              <a:latin typeface="+mn-ea"/>
+            </a:endParaRPr>
+          </a:p>
+        </p:txBody>
+      </p:sp>
+      <p:sp>
+        <p:nvSpPr>
+          <p:cNvPr id="40" name="TextBox 39">
+            <a:extLst>
+              <a:ext uri="{FF2B5EF4-FFF2-40B4-BE49-F238E27FC236}">
+                <a16:creationId xmlns:a16="http://schemas.microsoft.com/office/drawing/2014/main" id="{3C904C1B-9D9D-2E4C-8DA9-8310A62DB2B5}"/>
+              </a:ext>
+            </a:extLst>
+          </p:cNvPr>
+          <p:cNvSpPr txBox="1"/>
+          <p:nvPr/>
+        </p:nvSpPr>
+        <p:spPr>
+          <a:xfrm>
+            <a:off x="3127252" y="5373115"/>
+            <a:ext cx="1842171" cy="461665"/>
+          </a:xfrm>
+          <a:prstGeom prst="rect">
+            <a:avLst/>
+          </a:prstGeom>
+          <a:noFill/>
+        </p:spPr>
+        <p:txBody>
+          <a:bodyPr wrap="none" rtlCol="0">
+            <a:spAutoFit/>
+          </a:bodyPr>
+          <a:lstStyle/>
+          <a:p>
+            <a:r>
+              <a:rPr lang="en-US" sz="2400" b="1" dirty="0">
+                <a:solidFill>
+                  <a:schemeClr val="accent2"/>
+                </a:solidFill>
+                <a:latin typeface="Yu Gothic" panose="020B0400000000000000" pitchFamily="34" charset="-128"/>
+                <a:ea typeface="Yu Gothic" panose="020B0400000000000000" pitchFamily="34" charset="-128"/>
+              </a:rPr>
+              <a:t>None(</a:t>
+            </a:r>
+            <a:r>
+              <a:rPr lang="ja-JP" altLang="en-US" sz="2400" b="1" dirty="0">
+                <a:solidFill>
+                  <a:schemeClr val="accent2"/>
+                </a:solidFill>
+                <a:latin typeface="+mn-ea"/>
+              </a:rPr>
+              <a:t>なし</a:t>
+            </a:r>
+            <a:r>
+              <a:rPr lang="en-US" sz="2400" b="1" dirty="0">
+                <a:solidFill>
+                  <a:schemeClr val="accent2"/>
+                </a:solidFill>
+                <a:latin typeface="Yu Gothic" panose="020B0400000000000000" pitchFamily="34" charset="-128"/>
+                <a:ea typeface="Yu Gothic" panose="020B0400000000000000" pitchFamily="34" charset="-128"/>
+              </a:rPr>
+              <a:t>)</a:t>
+            </a:r>
+          </a:p>
+        </p:txBody>
+      </p:sp>
+      <p:sp>
+        <p:nvSpPr>
+          <p:cNvPr id="41" name="TextBox 40">
+            <a:extLst>
+              <a:ext uri="{FF2B5EF4-FFF2-40B4-BE49-F238E27FC236}">
+                <a16:creationId xmlns:a16="http://schemas.microsoft.com/office/drawing/2014/main" id="{52A13C22-F697-2E47-BD5E-F7898C8DF1FE}"/>
+              </a:ext>
+            </a:extLst>
+          </p:cNvPr>
+          <p:cNvSpPr txBox="1"/>
+          <p:nvPr/>
+        </p:nvSpPr>
+        <p:spPr>
+          <a:xfrm>
+            <a:off x="8078208" y="5373115"/>
+            <a:ext cx="360996" cy="461665"/>
+          </a:xfrm>
+          <a:prstGeom prst="rect">
+            <a:avLst/>
+          </a:prstGeom>
+          <a:noFill/>
+        </p:spPr>
+        <p:txBody>
+          <a:bodyPr wrap="none" rtlCol="0">
+            <a:spAutoFit/>
+          </a:bodyPr>
+          <a:lstStyle/>
+          <a:p>
+            <a:r>
+              <a:rPr lang="en-US" sz="2400" b="1" dirty="0">
+                <a:solidFill>
+                  <a:schemeClr val="accent4"/>
+                </a:solidFill>
+                <a:latin typeface="Yu Gothic" panose="020B0400000000000000" pitchFamily="34" charset="-128"/>
+                <a:ea typeface="Yu Gothic" panose="020B0400000000000000" pitchFamily="34" charset="-128"/>
+              </a:rPr>
+              <a:t>4</a:t>
+            </a:r>
+          </a:p>
+        </p:txBody>
+      </p:sp>
+    </p:spTree>
+    <p:extLst>
+      <p:ext uri="{BB962C8B-B14F-4D97-AF65-F5344CB8AC3E}">
+        <p14:creationId xmlns:p14="http://schemas.microsoft.com/office/powerpoint/2010/main" val="929089479"/>
+      </p:ext>
+    </p:extLst>
+  </p:cSld>
+  <p:clrMapOvr>
+    <a:masterClrMapping/>
+  </p:clrMapOvr>
+</p:sld>
+</file>
+
+<file path=ppt/slides/slide4.xml><?xml version="1.0" encoding="utf-8"?>
+<p:sld xmlns:a="http://schemas.openxmlformats.org/drawingml/2006/main" xmlns:r="http://schemas.openxmlformats.org/officeDocument/2006/relationships" xmlns:p="http://schemas.openxmlformats.org/presentationml/2006/main">
+  <p:cSld>
+    <p:spTree>
+      <p:nvGrpSpPr>
+        <p:cNvPr id="1" name=""/>
+        <p:cNvGrpSpPr/>
+        <p:nvPr/>
+      </p:nvGrpSpPr>
+      <p:grpSpPr>
+        <a:xfrm>
+          <a:off x="0" y="0"/>
+          <a:ext cx="0" cy="0"/>
+          <a:chOff x="0" y="0"/>
+          <a:chExt cx="0" cy="0"/>
+        </a:xfrm>
+      </p:grpSpPr>
+      <p:sp>
+        <p:nvSpPr>
+          <p:cNvPr id="4" name="Rounded Rectangle 3">
+            <a:extLst>
+              <a:ext uri="{FF2B5EF4-FFF2-40B4-BE49-F238E27FC236}">
+                <a16:creationId xmlns:a16="http://schemas.microsoft.com/office/drawing/2014/main" id="{55E5A360-9A3C-334B-860D-4B23FDF6B1CA}"/>
+              </a:ext>
+            </a:extLst>
+          </p:cNvPr>
+          <p:cNvSpPr/>
+          <p:nvPr/>
+        </p:nvSpPr>
+        <p:spPr>
+          <a:xfrm>
+            <a:off x="484907" y="951883"/>
+            <a:ext cx="2438400" cy="2512194"/>
+          </a:xfrm>
+          <a:prstGeom prst="roundRect">
+            <a:avLst/>
+          </a:prstGeom>
+          <a:solidFill>
+            <a:schemeClr val="accent1"/>
+          </a:solidFill>
+          <a:ln w="76200">
+            <a:noFill/>
+          </a:ln>
+        </p:spPr>
+        <p:style>
+          <a:lnRef idx="2">
+            <a:schemeClr val="accent1">
+              <a:shade val="50000"/>
+            </a:schemeClr>
+          </a:lnRef>
+          <a:fillRef idx="1">
+            <a:schemeClr val="accent1"/>
+          </a:fillRef>
+          <a:effectRef idx="0">
+            <a:schemeClr val="accent1"/>
+          </a:effectRef>
+          <a:fontRef idx="minor">
+            <a:schemeClr val="lt1"/>
+          </a:fontRef>
+        </p:style>
+        <p:txBody>
+          <a:bodyPr rtlCol="0" anchor="ctr"/>
+          <a:lstStyle/>
+          <a:p>
+            <a:pPr algn="ctr"/>
+            <a:endParaRPr lang="en-US" b="1">
+              <a:latin typeface="+mn-ea"/>
+            </a:endParaRPr>
+          </a:p>
+        </p:txBody>
+      </p:sp>
+      <p:sp>
+        <p:nvSpPr>
+          <p:cNvPr id="5" name="Rounded Rectangle 4">
+            <a:extLst>
+              <a:ext uri="{FF2B5EF4-FFF2-40B4-BE49-F238E27FC236}">
+                <a16:creationId xmlns:a16="http://schemas.microsoft.com/office/drawing/2014/main" id="{AC838D23-970D-DD46-8E53-A25B6C7E9CDE}"/>
+              </a:ext>
+            </a:extLst>
+          </p:cNvPr>
+          <p:cNvSpPr/>
+          <p:nvPr/>
+        </p:nvSpPr>
+        <p:spPr>
+          <a:xfrm>
+            <a:off x="769291" y="1247479"/>
+            <a:ext cx="1821507" cy="686182"/>
+          </a:xfrm>
+          <a:prstGeom prst="roundRect">
+            <a:avLst/>
+          </a:prstGeom>
+          <a:solidFill>
+            <a:schemeClr val="bg1"/>
+          </a:solidFill>
+          <a:ln w="76200">
+            <a:noFill/>
+          </a:ln>
+        </p:spPr>
+        <p:style>
+          <a:lnRef idx="2">
+            <a:schemeClr val="accent1">
+              <a:shade val="50000"/>
+            </a:schemeClr>
+          </a:lnRef>
+          <a:fillRef idx="1">
+            <a:schemeClr val="accent1"/>
+          </a:fillRef>
+          <a:effectRef idx="0">
+            <a:schemeClr val="accent1"/>
+          </a:effectRef>
+          <a:fontRef idx="minor">
+            <a:schemeClr val="lt1"/>
+          </a:fontRef>
+        </p:style>
+        <p:txBody>
+          <a:bodyPr rtlCol="0" anchor="ctr"/>
+          <a:lstStyle/>
+          <a:p>
+            <a:pPr algn="ctr"/>
+            <a:r>
+              <a:rPr lang="en-US" b="1" dirty="0">
+                <a:solidFill>
+                  <a:schemeClr val="accent1"/>
+                </a:solidFill>
+                <a:latin typeface="Yu Gothic" panose="020B0400000000000000" pitchFamily="34" charset="-128"/>
+                <a:ea typeface="Yu Gothic" panose="020B0400000000000000" pitchFamily="34" charset="-128"/>
+              </a:rPr>
+              <a:t>'Hello Python'</a:t>
+            </a:r>
+          </a:p>
+        </p:txBody>
+      </p:sp>
+      <p:sp>
+        <p:nvSpPr>
+          <p:cNvPr id="6" name="Rounded Rectangle 5">
+            <a:extLst>
+              <a:ext uri="{FF2B5EF4-FFF2-40B4-BE49-F238E27FC236}">
+                <a16:creationId xmlns:a16="http://schemas.microsoft.com/office/drawing/2014/main" id="{050B7C27-EFE2-2D42-8D94-0EB2EDDC8C28}"/>
+              </a:ext>
+            </a:extLst>
+          </p:cNvPr>
+          <p:cNvSpPr/>
+          <p:nvPr/>
+        </p:nvSpPr>
+        <p:spPr>
+          <a:xfrm>
+            <a:off x="769291" y="2378657"/>
+            <a:ext cx="1821507" cy="686182"/>
+          </a:xfrm>
+          <a:prstGeom prst="roundRect">
+            <a:avLst/>
+          </a:prstGeom>
+          <a:solidFill>
+            <a:schemeClr val="bg1"/>
+          </a:solidFill>
+          <a:ln w="76200">
+            <a:noFill/>
+          </a:ln>
+        </p:spPr>
+        <p:style>
+          <a:lnRef idx="2">
+            <a:schemeClr val="accent1">
+              <a:shade val="50000"/>
+            </a:schemeClr>
+          </a:lnRef>
+          <a:fillRef idx="1">
+            <a:schemeClr val="accent1"/>
+          </a:fillRef>
+          <a:effectRef idx="0">
+            <a:schemeClr val="accent1"/>
+          </a:effectRef>
+          <a:fontRef idx="minor">
+            <a:schemeClr val="lt1"/>
+          </a:fontRef>
+        </p:style>
+        <p:txBody>
+          <a:bodyPr rtlCol="0" anchor="ctr"/>
+          <a:lstStyle/>
+          <a:p>
+            <a:pPr algn="ctr"/>
+            <a:r>
+              <a:rPr lang="ja-JP" altLang="en-US" b="1" dirty="0">
+                <a:solidFill>
+                  <a:schemeClr val="accent1"/>
+                </a:solidFill>
+                <a:latin typeface="+mn-ea"/>
+              </a:rPr>
+              <a:t>メソッド</a:t>
+            </a:r>
+            <a:endParaRPr lang="en-US" b="1" dirty="0">
+              <a:solidFill>
+                <a:schemeClr val="accent1"/>
+              </a:solidFill>
+              <a:latin typeface="+mn-ea"/>
+            </a:endParaRPr>
+          </a:p>
+        </p:txBody>
+      </p:sp>
+      <p:sp>
+        <p:nvSpPr>
+          <p:cNvPr id="7" name="Right Arrow 6">
+            <a:extLst>
+              <a:ext uri="{FF2B5EF4-FFF2-40B4-BE49-F238E27FC236}">
+                <a16:creationId xmlns:a16="http://schemas.microsoft.com/office/drawing/2014/main" id="{2941E7CA-B7A8-0A44-8009-54A6120831A3}"/>
+              </a:ext>
+            </a:extLst>
+          </p:cNvPr>
+          <p:cNvSpPr/>
+          <p:nvPr/>
+        </p:nvSpPr>
+        <p:spPr>
+          <a:xfrm>
+            <a:off x="3465772" y="2140521"/>
+            <a:ext cx="1267442" cy="568558"/>
+          </a:xfrm>
+          <a:prstGeom prst="rightArrow">
+            <a:avLst>
+              <a:gd name="adj1" fmla="val 50000"/>
+              <a:gd name="adj2" fmla="val 61851"/>
+            </a:avLst>
+          </a:prstGeom>
+          <a:solidFill>
+            <a:schemeClr val="tx2">
+              <a:lumMod val="65000"/>
+              <a:lumOff val="35000"/>
+            </a:schemeClr>
+          </a:solidFill>
+          <a:ln>
+            <a:noFill/>
+          </a:ln>
+        </p:spPr>
+        <p:style>
+          <a:lnRef idx="2">
+            <a:schemeClr val="accent1">
+              <a:shade val="50000"/>
+            </a:schemeClr>
+          </a:lnRef>
+          <a:fillRef idx="1">
+            <a:schemeClr val="accent1"/>
+          </a:fillRef>
+          <a:effectRef idx="0">
+            <a:schemeClr val="accent1"/>
+          </a:effectRef>
+          <a:fontRef idx="minor">
+            <a:schemeClr val="lt1"/>
+          </a:fontRef>
+        </p:style>
+        <p:txBody>
+          <a:bodyPr rtlCol="0" anchor="ctr"/>
+          <a:lstStyle/>
+          <a:p>
+            <a:pPr algn="ctr"/>
+            <a:endParaRPr lang="en-US" b="1">
+              <a:latin typeface="+mn-ea"/>
+            </a:endParaRPr>
+          </a:p>
+        </p:txBody>
+      </p:sp>
+      <p:sp>
+        <p:nvSpPr>
+          <p:cNvPr id="8" name="Rounded Rectangle 7">
+            <a:extLst>
+              <a:ext uri="{FF2B5EF4-FFF2-40B4-BE49-F238E27FC236}">
+                <a16:creationId xmlns:a16="http://schemas.microsoft.com/office/drawing/2014/main" id="{61781C76-0ACB-E74D-9BE1-667B3D72BB96}"/>
+              </a:ext>
+            </a:extLst>
+          </p:cNvPr>
+          <p:cNvSpPr/>
+          <p:nvPr/>
+        </p:nvSpPr>
+        <p:spPr>
+          <a:xfrm>
+            <a:off x="5107289" y="951883"/>
+            <a:ext cx="2438400" cy="2512194"/>
+          </a:xfrm>
+          <a:prstGeom prst="roundRect">
+            <a:avLst/>
+          </a:prstGeom>
+          <a:solidFill>
+            <a:schemeClr val="accent1"/>
+          </a:solidFill>
+          <a:ln w="76200">
+            <a:noFill/>
+          </a:ln>
+        </p:spPr>
+        <p:style>
+          <a:lnRef idx="2">
+            <a:schemeClr val="accent1">
+              <a:shade val="50000"/>
+            </a:schemeClr>
+          </a:lnRef>
+          <a:fillRef idx="1">
+            <a:schemeClr val="accent1"/>
+          </a:fillRef>
+          <a:effectRef idx="0">
+            <a:schemeClr val="accent1"/>
+          </a:effectRef>
+          <a:fontRef idx="minor">
+            <a:schemeClr val="lt1"/>
+          </a:fontRef>
+        </p:style>
+        <p:txBody>
+          <a:bodyPr rtlCol="0" anchor="ctr"/>
+          <a:lstStyle/>
+          <a:p>
+            <a:pPr algn="ctr"/>
+            <a:endParaRPr lang="en-US" b="1">
+              <a:latin typeface="+mn-ea"/>
+            </a:endParaRPr>
+          </a:p>
+        </p:txBody>
+      </p:sp>
+      <p:sp>
+        <p:nvSpPr>
+          <p:cNvPr id="9" name="Rounded Rectangle 8">
+            <a:extLst>
+              <a:ext uri="{FF2B5EF4-FFF2-40B4-BE49-F238E27FC236}">
+                <a16:creationId xmlns:a16="http://schemas.microsoft.com/office/drawing/2014/main" id="{947BC1EB-46F5-E441-A2C5-C823D6BFF32D}"/>
+              </a:ext>
+            </a:extLst>
+          </p:cNvPr>
+          <p:cNvSpPr/>
+          <p:nvPr/>
+        </p:nvSpPr>
+        <p:spPr>
+          <a:xfrm>
+            <a:off x="5391673" y="1247479"/>
+            <a:ext cx="1821507" cy="686182"/>
+          </a:xfrm>
+          <a:prstGeom prst="roundRect">
+            <a:avLst/>
+          </a:prstGeom>
+          <a:solidFill>
+            <a:schemeClr val="bg1"/>
+          </a:solidFill>
+          <a:ln w="76200">
+            <a:noFill/>
+          </a:ln>
+        </p:spPr>
+        <p:style>
+          <a:lnRef idx="2">
+            <a:schemeClr val="accent1">
+              <a:shade val="50000"/>
+            </a:schemeClr>
+          </a:lnRef>
+          <a:fillRef idx="1">
+            <a:schemeClr val="accent1"/>
+          </a:fillRef>
+          <a:effectRef idx="0">
+            <a:schemeClr val="accent1"/>
+          </a:effectRef>
+          <a:fontRef idx="minor">
+            <a:schemeClr val="lt1"/>
+          </a:fontRef>
+        </p:style>
+        <p:txBody>
+          <a:bodyPr rtlCol="0" anchor="ctr"/>
+          <a:lstStyle/>
+          <a:p>
+            <a:pPr algn="ctr"/>
+            <a:r>
+              <a:rPr lang="en-US" b="1" dirty="0">
+                <a:solidFill>
+                  <a:schemeClr val="accent1"/>
+                </a:solidFill>
+                <a:latin typeface="Yu Gothic" panose="020B0400000000000000" pitchFamily="34" charset="-128"/>
+                <a:ea typeface="Yu Gothic" panose="020B0400000000000000" pitchFamily="34" charset="-128"/>
+              </a:rPr>
+              <a:t>'Hello Python'</a:t>
+            </a:r>
+          </a:p>
+        </p:txBody>
+      </p:sp>
+      <p:sp>
+        <p:nvSpPr>
+          <p:cNvPr id="10" name="Rounded Rectangle 9">
+            <a:extLst>
+              <a:ext uri="{FF2B5EF4-FFF2-40B4-BE49-F238E27FC236}">
+                <a16:creationId xmlns:a16="http://schemas.microsoft.com/office/drawing/2014/main" id="{F0D70EB0-64EF-0F48-ADD4-77672B2C7F28}"/>
+              </a:ext>
+            </a:extLst>
+          </p:cNvPr>
+          <p:cNvSpPr/>
+          <p:nvPr/>
+        </p:nvSpPr>
+        <p:spPr>
+          <a:xfrm>
+            <a:off x="5391673" y="2378657"/>
+            <a:ext cx="1821507" cy="686182"/>
+          </a:xfrm>
+          <a:prstGeom prst="roundRect">
+            <a:avLst/>
+          </a:prstGeom>
+          <a:solidFill>
+            <a:schemeClr val="bg1"/>
+          </a:solidFill>
+          <a:ln w="76200">
+            <a:noFill/>
+          </a:ln>
+        </p:spPr>
+        <p:style>
+          <a:lnRef idx="2">
+            <a:schemeClr val="accent1">
+              <a:shade val="50000"/>
+            </a:schemeClr>
+          </a:lnRef>
+          <a:fillRef idx="1">
+            <a:schemeClr val="accent1"/>
+          </a:fillRef>
+          <a:effectRef idx="0">
+            <a:schemeClr val="accent1"/>
+          </a:effectRef>
+          <a:fontRef idx="minor">
+            <a:schemeClr val="lt1"/>
+          </a:fontRef>
+        </p:style>
+        <p:txBody>
+          <a:bodyPr rtlCol="0" anchor="ctr"/>
+          <a:lstStyle/>
+          <a:p>
+            <a:pPr algn="ctr"/>
+            <a:r>
+              <a:rPr lang="ja-JP" altLang="en-US" b="1" dirty="0">
+                <a:solidFill>
+                  <a:schemeClr val="accent1"/>
+                </a:solidFill>
+                <a:latin typeface="+mn-ea"/>
+              </a:rPr>
+              <a:t>メソッド</a:t>
+            </a:r>
+            <a:endParaRPr lang="en-US" b="1" dirty="0">
+              <a:solidFill>
+                <a:schemeClr val="accent1"/>
+              </a:solidFill>
+              <a:latin typeface="+mn-ea"/>
+            </a:endParaRPr>
+          </a:p>
+        </p:txBody>
+      </p:sp>
+      <p:sp>
+        <p:nvSpPr>
+          <p:cNvPr id="11" name="Rounded Rectangle 10">
+            <a:extLst>
+              <a:ext uri="{FF2B5EF4-FFF2-40B4-BE49-F238E27FC236}">
+                <a16:creationId xmlns:a16="http://schemas.microsoft.com/office/drawing/2014/main" id="{4658E020-72FF-A54F-A6AB-115E7262667E}"/>
+              </a:ext>
+            </a:extLst>
+          </p:cNvPr>
+          <p:cNvSpPr/>
+          <p:nvPr/>
+        </p:nvSpPr>
+        <p:spPr>
+          <a:xfrm>
+            <a:off x="9230895" y="951883"/>
+            <a:ext cx="2438400" cy="2512194"/>
+          </a:xfrm>
+          <a:prstGeom prst="roundRect">
+            <a:avLst/>
+          </a:prstGeom>
+          <a:solidFill>
+            <a:schemeClr val="accent1"/>
+          </a:solidFill>
+          <a:ln w="76200">
+            <a:noFill/>
+          </a:ln>
+        </p:spPr>
+        <p:style>
+          <a:lnRef idx="2">
+            <a:schemeClr val="accent1">
+              <a:shade val="50000"/>
+            </a:schemeClr>
+          </a:lnRef>
+          <a:fillRef idx="1">
+            <a:schemeClr val="accent1"/>
+          </a:fillRef>
+          <a:effectRef idx="0">
+            <a:schemeClr val="accent1"/>
+          </a:effectRef>
+          <a:fontRef idx="minor">
+            <a:schemeClr val="lt1"/>
+          </a:fontRef>
+        </p:style>
+        <p:txBody>
+          <a:bodyPr rtlCol="0" anchor="ctr"/>
+          <a:lstStyle/>
+          <a:p>
+            <a:pPr algn="ctr"/>
+            <a:endParaRPr lang="en-US" b="1">
+              <a:latin typeface="+mn-ea"/>
+            </a:endParaRPr>
+          </a:p>
+        </p:txBody>
+      </p:sp>
+      <p:sp>
+        <p:nvSpPr>
+          <p:cNvPr id="12" name="Rounded Rectangle 11">
+            <a:extLst>
+              <a:ext uri="{FF2B5EF4-FFF2-40B4-BE49-F238E27FC236}">
+                <a16:creationId xmlns:a16="http://schemas.microsoft.com/office/drawing/2014/main" id="{9A5E71AC-9884-1049-9CD6-AE755AEABA2F}"/>
+              </a:ext>
+            </a:extLst>
+          </p:cNvPr>
+          <p:cNvSpPr/>
+          <p:nvPr/>
+        </p:nvSpPr>
+        <p:spPr>
+          <a:xfrm>
+            <a:off x="9515279" y="1247479"/>
+            <a:ext cx="1821507" cy="686182"/>
+          </a:xfrm>
+          <a:prstGeom prst="roundRect">
+            <a:avLst/>
+          </a:prstGeom>
+          <a:solidFill>
+            <a:schemeClr val="bg1"/>
+          </a:solidFill>
+          <a:ln w="76200">
+            <a:noFill/>
+          </a:ln>
+        </p:spPr>
+        <p:style>
+          <a:lnRef idx="2">
+            <a:schemeClr val="accent1">
+              <a:shade val="50000"/>
+            </a:schemeClr>
+          </a:lnRef>
+          <a:fillRef idx="1">
+            <a:schemeClr val="accent1"/>
+          </a:fillRef>
+          <a:effectRef idx="0">
+            <a:schemeClr val="accent1"/>
+          </a:effectRef>
+          <a:fontRef idx="minor">
+            <a:schemeClr val="lt1"/>
+          </a:fontRef>
+        </p:style>
+        <p:txBody>
+          <a:bodyPr rtlCol="0" anchor="ctr"/>
+          <a:lstStyle/>
+          <a:p>
+            <a:pPr algn="ctr"/>
+            <a:r>
+              <a:rPr lang="en-US" b="1" dirty="0">
+                <a:solidFill>
+                  <a:schemeClr val="accent1"/>
+                </a:solidFill>
+                <a:latin typeface="Yu Gothic" panose="020B0400000000000000" pitchFamily="34" charset="-128"/>
+                <a:ea typeface="Yu Gothic" panose="020B0400000000000000" pitchFamily="34" charset="-128"/>
+              </a:rPr>
+              <a:t>'Hello Python'</a:t>
+            </a:r>
+          </a:p>
+        </p:txBody>
+      </p:sp>
+      <p:sp>
+        <p:nvSpPr>
+          <p:cNvPr id="13" name="Rounded Rectangle 12">
+            <a:extLst>
+              <a:ext uri="{FF2B5EF4-FFF2-40B4-BE49-F238E27FC236}">
+                <a16:creationId xmlns:a16="http://schemas.microsoft.com/office/drawing/2014/main" id="{CF3B8A58-E223-7148-A703-961CC14719AF}"/>
+              </a:ext>
+            </a:extLst>
+          </p:cNvPr>
+          <p:cNvSpPr/>
+          <p:nvPr/>
+        </p:nvSpPr>
+        <p:spPr>
+          <a:xfrm>
+            <a:off x="9515279" y="2378657"/>
+            <a:ext cx="1821507" cy="686182"/>
+          </a:xfrm>
+          <a:prstGeom prst="roundRect">
+            <a:avLst/>
+          </a:prstGeom>
+          <a:solidFill>
+            <a:schemeClr val="bg1"/>
+          </a:solidFill>
+          <a:ln w="76200">
+            <a:noFill/>
+          </a:ln>
+        </p:spPr>
+        <p:style>
+          <a:lnRef idx="2">
+            <a:schemeClr val="accent1">
+              <a:shade val="50000"/>
+            </a:schemeClr>
+          </a:lnRef>
+          <a:fillRef idx="1">
+            <a:schemeClr val="accent1"/>
+          </a:fillRef>
+          <a:effectRef idx="0">
+            <a:schemeClr val="accent1"/>
+          </a:effectRef>
+          <a:fontRef idx="minor">
+            <a:schemeClr val="lt1"/>
+          </a:fontRef>
+        </p:style>
+        <p:txBody>
+          <a:bodyPr rtlCol="0" anchor="ctr"/>
+          <a:lstStyle/>
+          <a:p>
+            <a:pPr algn="ctr"/>
+            <a:r>
+              <a:rPr lang="ja-JP" altLang="en-US" b="1" dirty="0">
+                <a:solidFill>
+                  <a:schemeClr val="accent1"/>
+                </a:solidFill>
+                <a:latin typeface="+mn-ea"/>
+              </a:rPr>
+              <a:t>メソッド</a:t>
+            </a:r>
+            <a:endParaRPr lang="en-US" b="1" dirty="0">
+              <a:solidFill>
+                <a:schemeClr val="accent1"/>
+              </a:solidFill>
+              <a:latin typeface="+mn-ea"/>
+            </a:endParaRPr>
+          </a:p>
+        </p:txBody>
+      </p:sp>
+      <p:sp>
+        <p:nvSpPr>
+          <p:cNvPr id="14" name="Right Arrow 13">
+            <a:extLst>
+              <a:ext uri="{FF2B5EF4-FFF2-40B4-BE49-F238E27FC236}">
+                <a16:creationId xmlns:a16="http://schemas.microsoft.com/office/drawing/2014/main" id="{07350138-8AE5-E742-A9EF-99FD0E93E2B3}"/>
+              </a:ext>
+            </a:extLst>
+          </p:cNvPr>
+          <p:cNvSpPr/>
+          <p:nvPr/>
+        </p:nvSpPr>
+        <p:spPr>
+          <a:xfrm>
+            <a:off x="7830073" y="2146361"/>
+            <a:ext cx="1267442" cy="568558"/>
+          </a:xfrm>
+          <a:prstGeom prst="rightArrow">
+            <a:avLst>
+              <a:gd name="adj1" fmla="val 50000"/>
+              <a:gd name="adj2" fmla="val 61851"/>
+            </a:avLst>
+          </a:prstGeom>
+          <a:solidFill>
+            <a:schemeClr val="tx2">
+              <a:lumMod val="65000"/>
+              <a:lumOff val="35000"/>
+            </a:schemeClr>
+          </a:solidFill>
+          <a:ln>
+            <a:noFill/>
+          </a:ln>
+        </p:spPr>
+        <p:style>
+          <a:lnRef idx="2">
+            <a:schemeClr val="accent1">
+              <a:shade val="50000"/>
+            </a:schemeClr>
+          </a:lnRef>
+          <a:fillRef idx="1">
+            <a:schemeClr val="accent1"/>
+          </a:fillRef>
+          <a:effectRef idx="0">
+            <a:schemeClr val="accent1"/>
+          </a:effectRef>
+          <a:fontRef idx="minor">
+            <a:schemeClr val="lt1"/>
+          </a:fontRef>
+        </p:style>
+        <p:txBody>
+          <a:bodyPr rtlCol="0" anchor="ctr"/>
+          <a:lstStyle/>
+          <a:p>
+            <a:pPr algn="ctr"/>
+            <a:endParaRPr lang="en-US" b="1">
+              <a:latin typeface="+mn-ea"/>
+            </a:endParaRPr>
+          </a:p>
+        </p:txBody>
+      </p:sp>
+      <p:sp>
+        <p:nvSpPr>
+          <p:cNvPr id="15" name="TextBox 14">
+            <a:extLst>
+              <a:ext uri="{FF2B5EF4-FFF2-40B4-BE49-F238E27FC236}">
+                <a16:creationId xmlns:a16="http://schemas.microsoft.com/office/drawing/2014/main" id="{C594C5A4-1BBC-5541-92E5-C16501BB8C15}"/>
+              </a:ext>
+            </a:extLst>
+          </p:cNvPr>
+          <p:cNvSpPr txBox="1"/>
+          <p:nvPr/>
+        </p:nvSpPr>
+        <p:spPr>
+          <a:xfrm>
+            <a:off x="2942161" y="1694245"/>
+            <a:ext cx="2183611" cy="430887"/>
+          </a:xfrm>
+          <a:prstGeom prst="rect">
+            <a:avLst/>
+          </a:prstGeom>
+          <a:noFill/>
+        </p:spPr>
+        <p:txBody>
+          <a:bodyPr wrap="none" rtlCol="0">
+            <a:spAutoFit/>
+          </a:bodyPr>
+          <a:lstStyle/>
+          <a:p>
+            <a:r>
+              <a:rPr lang="en-US" sz="2200" b="1" dirty="0">
+                <a:latin typeface="Yu Gothic" panose="020B0400000000000000" pitchFamily="34" charset="-128"/>
+                <a:ea typeface="Yu Gothic" panose="020B0400000000000000" pitchFamily="34" charset="-128"/>
+              </a:rPr>
+              <a:t>replace('o', '0')</a:t>
+            </a:r>
+          </a:p>
+        </p:txBody>
+      </p:sp>
+      <p:sp>
+        <p:nvSpPr>
+          <p:cNvPr id="16" name="TextBox 15">
+            <a:extLst>
+              <a:ext uri="{FF2B5EF4-FFF2-40B4-BE49-F238E27FC236}">
+                <a16:creationId xmlns:a16="http://schemas.microsoft.com/office/drawing/2014/main" id="{EE1BA72A-2F6D-0845-B252-86750FDAF4F7}"/>
+              </a:ext>
+            </a:extLst>
+          </p:cNvPr>
+          <p:cNvSpPr txBox="1"/>
+          <p:nvPr/>
+        </p:nvSpPr>
+        <p:spPr>
+          <a:xfrm>
+            <a:off x="7822833" y="1690124"/>
+            <a:ext cx="1208985" cy="430887"/>
+          </a:xfrm>
+          <a:prstGeom prst="rect">
+            <a:avLst/>
+          </a:prstGeom>
+          <a:noFill/>
+        </p:spPr>
+        <p:txBody>
+          <a:bodyPr wrap="none" rtlCol="0">
+            <a:spAutoFit/>
+          </a:bodyPr>
+          <a:lstStyle/>
+          <a:p>
+            <a:r>
+              <a:rPr lang="en-US" sz="2200" b="1" dirty="0">
+                <a:latin typeface="Yu Gothic" panose="020B0400000000000000" pitchFamily="34" charset="-128"/>
+                <a:ea typeface="Yu Gothic" panose="020B0400000000000000" pitchFamily="34" charset="-128"/>
+              </a:rPr>
+              <a:t>upper()</a:t>
+            </a:r>
+          </a:p>
+        </p:txBody>
+      </p:sp>
+      <p:sp>
+        <p:nvSpPr>
+          <p:cNvPr id="17" name="TextBox 16">
+            <a:extLst>
+              <a:ext uri="{FF2B5EF4-FFF2-40B4-BE49-F238E27FC236}">
+                <a16:creationId xmlns:a16="http://schemas.microsoft.com/office/drawing/2014/main" id="{9926FEB7-928B-0D45-BF4A-E3DA7332B56D}"/>
+              </a:ext>
+            </a:extLst>
+          </p:cNvPr>
+          <p:cNvSpPr txBox="1"/>
+          <p:nvPr/>
+        </p:nvSpPr>
+        <p:spPr>
+          <a:xfrm>
+            <a:off x="575414" y="407088"/>
+            <a:ext cx="2231701" cy="461665"/>
+          </a:xfrm>
+          <a:prstGeom prst="rect">
+            <a:avLst/>
+          </a:prstGeom>
+          <a:noFill/>
+        </p:spPr>
+        <p:txBody>
+          <a:bodyPr wrap="none" rtlCol="0">
+            <a:spAutoFit/>
+          </a:bodyPr>
+          <a:lstStyle/>
+          <a:p>
+            <a:r>
+              <a:rPr lang="ja-JP" altLang="en-US" sz="2400" b="1" dirty="0">
+                <a:solidFill>
+                  <a:schemeClr val="accent1"/>
+                </a:solidFill>
+                <a:latin typeface="+mn-ea"/>
+              </a:rPr>
+              <a:t>インスタンス</a:t>
+            </a:r>
+            <a:r>
+              <a:rPr lang="en-US" altLang="ja-JP" sz="2400" b="1" dirty="0">
+                <a:solidFill>
+                  <a:schemeClr val="accent1"/>
+                </a:solidFill>
+                <a:latin typeface="+mn-ea"/>
+              </a:rPr>
+              <a:t>A</a:t>
+            </a:r>
+            <a:endParaRPr lang="en-US" sz="2400" b="1" dirty="0">
+              <a:solidFill>
+                <a:schemeClr val="accent1"/>
+              </a:solidFill>
+              <a:latin typeface="+mn-ea"/>
+            </a:endParaRPr>
+          </a:p>
+        </p:txBody>
+      </p:sp>
+      <p:sp>
+        <p:nvSpPr>
+          <p:cNvPr id="18" name="TextBox 17">
+            <a:extLst>
+              <a:ext uri="{FF2B5EF4-FFF2-40B4-BE49-F238E27FC236}">
+                <a16:creationId xmlns:a16="http://schemas.microsoft.com/office/drawing/2014/main" id="{7F37847D-DFAC-F847-9ACF-22DE4A31398A}"/>
+              </a:ext>
+            </a:extLst>
+          </p:cNvPr>
+          <p:cNvSpPr txBox="1"/>
+          <p:nvPr/>
+        </p:nvSpPr>
+        <p:spPr>
+          <a:xfrm>
+            <a:off x="5197796" y="407088"/>
+            <a:ext cx="2231701" cy="461665"/>
+          </a:xfrm>
+          <a:prstGeom prst="rect">
+            <a:avLst/>
+          </a:prstGeom>
+          <a:noFill/>
+        </p:spPr>
+        <p:txBody>
+          <a:bodyPr wrap="none" rtlCol="0">
+            <a:spAutoFit/>
+          </a:bodyPr>
+          <a:lstStyle/>
+          <a:p>
+            <a:r>
+              <a:rPr lang="ja-JP" altLang="en-US" sz="2400" b="1" dirty="0">
+                <a:solidFill>
+                  <a:schemeClr val="accent1"/>
+                </a:solidFill>
+                <a:latin typeface="+mn-ea"/>
+              </a:rPr>
+              <a:t>インスタンス</a:t>
+            </a:r>
+            <a:r>
+              <a:rPr lang="en-US" altLang="ja-JP" sz="2400" b="1" dirty="0">
+                <a:solidFill>
+                  <a:schemeClr val="accent1"/>
+                </a:solidFill>
+                <a:latin typeface="+mn-ea"/>
+              </a:rPr>
+              <a:t>A</a:t>
+            </a:r>
+            <a:endParaRPr lang="en-US" sz="2400" b="1" dirty="0">
+              <a:solidFill>
+                <a:schemeClr val="accent1"/>
+              </a:solidFill>
+              <a:latin typeface="+mn-ea"/>
+            </a:endParaRPr>
+          </a:p>
+        </p:txBody>
+      </p:sp>
+      <p:sp>
+        <p:nvSpPr>
+          <p:cNvPr id="19" name="TextBox 18">
+            <a:extLst>
+              <a:ext uri="{FF2B5EF4-FFF2-40B4-BE49-F238E27FC236}">
+                <a16:creationId xmlns:a16="http://schemas.microsoft.com/office/drawing/2014/main" id="{4B17A074-2A20-E84D-B3E8-C45F4DC43920}"/>
+              </a:ext>
+            </a:extLst>
+          </p:cNvPr>
+          <p:cNvSpPr txBox="1"/>
+          <p:nvPr/>
+        </p:nvSpPr>
+        <p:spPr>
+          <a:xfrm>
+            <a:off x="9321402" y="407088"/>
+            <a:ext cx="2231701" cy="461665"/>
+          </a:xfrm>
+          <a:prstGeom prst="rect">
+            <a:avLst/>
+          </a:prstGeom>
+          <a:noFill/>
+        </p:spPr>
+        <p:txBody>
+          <a:bodyPr wrap="none" rtlCol="0">
+            <a:spAutoFit/>
+          </a:bodyPr>
+          <a:lstStyle/>
+          <a:p>
+            <a:r>
+              <a:rPr lang="ja-JP" altLang="en-US" sz="2400" b="1" dirty="0">
+                <a:solidFill>
+                  <a:schemeClr val="accent1"/>
+                </a:solidFill>
+                <a:latin typeface="+mn-ea"/>
+              </a:rPr>
+              <a:t>インスタンス</a:t>
+            </a:r>
+            <a:r>
+              <a:rPr lang="en-US" altLang="ja-JP" sz="2400" b="1" dirty="0">
+                <a:solidFill>
+                  <a:schemeClr val="accent1"/>
+                </a:solidFill>
+                <a:latin typeface="+mn-ea"/>
+              </a:rPr>
+              <a:t>A</a:t>
+            </a:r>
+            <a:endParaRPr lang="en-US" sz="2400" b="1" dirty="0">
+              <a:solidFill>
+                <a:schemeClr val="accent1"/>
+              </a:solidFill>
+              <a:latin typeface="+mn-ea"/>
+            </a:endParaRPr>
+          </a:p>
+        </p:txBody>
+      </p:sp>
+      <p:sp>
+        <p:nvSpPr>
+          <p:cNvPr id="20" name="TextBox 19">
+            <a:extLst>
+              <a:ext uri="{FF2B5EF4-FFF2-40B4-BE49-F238E27FC236}">
+                <a16:creationId xmlns:a16="http://schemas.microsoft.com/office/drawing/2014/main" id="{F1B4F095-9237-7543-A336-02229808B00B}"/>
+              </a:ext>
+            </a:extLst>
+          </p:cNvPr>
+          <p:cNvSpPr txBox="1"/>
+          <p:nvPr/>
+        </p:nvSpPr>
+        <p:spPr>
+          <a:xfrm>
+            <a:off x="3397161" y="937870"/>
+            <a:ext cx="1210588" cy="707886"/>
+          </a:xfrm>
+          <a:prstGeom prst="rect">
+            <a:avLst/>
+          </a:prstGeom>
+          <a:noFill/>
+        </p:spPr>
+        <p:txBody>
+          <a:bodyPr wrap="none" rtlCol="0">
+            <a:spAutoFit/>
+          </a:bodyPr>
+          <a:lstStyle/>
+          <a:p>
+            <a:pPr algn="ctr"/>
+            <a:r>
+              <a:rPr lang="ja-JP" altLang="en-US" sz="2000" b="1" dirty="0">
+                <a:latin typeface="+mn-ea"/>
+              </a:rPr>
+              <a:t>メソッド</a:t>
+            </a:r>
+            <a:endParaRPr lang="en-US" altLang="ja-JP" sz="2000" b="1" dirty="0">
+              <a:latin typeface="+mn-ea"/>
+            </a:endParaRPr>
+          </a:p>
+          <a:p>
+            <a:pPr algn="ctr"/>
+            <a:r>
+              <a:rPr lang="ja-JP" altLang="en-US" sz="2000" b="1" dirty="0">
+                <a:latin typeface="+mn-ea"/>
+              </a:rPr>
+              <a:t>呼び出し</a:t>
+            </a:r>
+            <a:endParaRPr lang="en-US" sz="2000" b="1" dirty="0">
+              <a:latin typeface="+mn-ea"/>
+            </a:endParaRPr>
+          </a:p>
+        </p:txBody>
+      </p:sp>
+      <p:sp>
+        <p:nvSpPr>
+          <p:cNvPr id="22" name="TextBox 21">
+            <a:extLst>
+              <a:ext uri="{FF2B5EF4-FFF2-40B4-BE49-F238E27FC236}">
+                <a16:creationId xmlns:a16="http://schemas.microsoft.com/office/drawing/2014/main" id="{8C54769A-CADE-F745-88A1-16B8A5B4784A}"/>
+              </a:ext>
+            </a:extLst>
+          </p:cNvPr>
+          <p:cNvSpPr txBox="1"/>
+          <p:nvPr/>
+        </p:nvSpPr>
+        <p:spPr>
+          <a:xfrm>
+            <a:off x="7805136" y="963872"/>
+            <a:ext cx="1210588" cy="707886"/>
+          </a:xfrm>
+          <a:prstGeom prst="rect">
+            <a:avLst/>
+          </a:prstGeom>
+          <a:noFill/>
+        </p:spPr>
+        <p:txBody>
+          <a:bodyPr wrap="none" rtlCol="0">
+            <a:spAutoFit/>
+          </a:bodyPr>
+          <a:lstStyle/>
+          <a:p>
+            <a:pPr algn="ctr"/>
+            <a:r>
+              <a:rPr lang="ja-JP" altLang="en-US" sz="2000" b="1" dirty="0">
+                <a:latin typeface="+mn-ea"/>
+              </a:rPr>
+              <a:t>メソッド</a:t>
+            </a:r>
+            <a:endParaRPr lang="en-US" altLang="ja-JP" sz="2000" b="1" dirty="0">
+              <a:latin typeface="+mn-ea"/>
+            </a:endParaRPr>
+          </a:p>
+          <a:p>
+            <a:pPr algn="ctr"/>
+            <a:r>
+              <a:rPr lang="ja-JP" altLang="en-US" sz="2000" b="1" dirty="0">
+                <a:latin typeface="+mn-ea"/>
+              </a:rPr>
+              <a:t>呼び出し</a:t>
+            </a:r>
+            <a:endParaRPr lang="en-US" sz="2000" b="1" dirty="0">
+              <a:latin typeface="+mn-ea"/>
+            </a:endParaRPr>
+          </a:p>
+        </p:txBody>
+      </p:sp>
+      <p:sp>
+        <p:nvSpPr>
+          <p:cNvPr id="23" name="Rounded Rectangle 22">
+            <a:extLst>
+              <a:ext uri="{FF2B5EF4-FFF2-40B4-BE49-F238E27FC236}">
+                <a16:creationId xmlns:a16="http://schemas.microsoft.com/office/drawing/2014/main" id="{56FB3448-3B52-8B46-8378-E4342855E6BE}"/>
+              </a:ext>
+            </a:extLst>
+          </p:cNvPr>
+          <p:cNvSpPr/>
+          <p:nvPr/>
+        </p:nvSpPr>
+        <p:spPr>
+          <a:xfrm>
+            <a:off x="2923307" y="3925742"/>
+            <a:ext cx="2438400" cy="2512194"/>
+          </a:xfrm>
+          <a:prstGeom prst="roundRect">
+            <a:avLst/>
+          </a:prstGeom>
+          <a:solidFill>
+            <a:schemeClr val="accent2"/>
+          </a:solidFill>
+          <a:ln w="76200">
+            <a:noFill/>
+          </a:ln>
+        </p:spPr>
+        <p:style>
+          <a:lnRef idx="2">
+            <a:schemeClr val="accent1">
+              <a:shade val="50000"/>
+            </a:schemeClr>
+          </a:lnRef>
+          <a:fillRef idx="1">
+            <a:schemeClr val="accent1"/>
+          </a:fillRef>
+          <a:effectRef idx="0">
+            <a:schemeClr val="accent1"/>
+          </a:effectRef>
+          <a:fontRef idx="minor">
+            <a:schemeClr val="lt1"/>
+          </a:fontRef>
+        </p:style>
+        <p:txBody>
+          <a:bodyPr rtlCol="0" anchor="ctr"/>
+          <a:lstStyle/>
+          <a:p>
+            <a:pPr algn="ctr"/>
+            <a:endParaRPr lang="en-US" b="1">
+              <a:solidFill>
+                <a:schemeClr val="accent2"/>
+              </a:solidFill>
+              <a:latin typeface="+mn-ea"/>
+            </a:endParaRPr>
+          </a:p>
+        </p:txBody>
+      </p:sp>
+      <p:sp>
+        <p:nvSpPr>
+          <p:cNvPr id="24" name="Rounded Rectangle 23">
+            <a:extLst>
+              <a:ext uri="{FF2B5EF4-FFF2-40B4-BE49-F238E27FC236}">
+                <a16:creationId xmlns:a16="http://schemas.microsoft.com/office/drawing/2014/main" id="{25714103-356C-4E4D-9E2A-EF43D2DAC189}"/>
+              </a:ext>
+            </a:extLst>
+          </p:cNvPr>
+          <p:cNvSpPr/>
+          <p:nvPr/>
+        </p:nvSpPr>
+        <p:spPr>
+          <a:xfrm>
+            <a:off x="3207691" y="4221338"/>
+            <a:ext cx="1821507" cy="686182"/>
+          </a:xfrm>
+          <a:prstGeom prst="roundRect">
+            <a:avLst/>
+          </a:prstGeom>
+          <a:solidFill>
+            <a:schemeClr val="bg1"/>
+          </a:solidFill>
+          <a:ln w="76200">
+            <a:noFill/>
+          </a:ln>
+        </p:spPr>
+        <p:style>
+          <a:lnRef idx="2">
+            <a:schemeClr val="accent1">
+              <a:shade val="50000"/>
+            </a:schemeClr>
+          </a:lnRef>
+          <a:fillRef idx="1">
+            <a:schemeClr val="accent1"/>
+          </a:fillRef>
+          <a:effectRef idx="0">
+            <a:schemeClr val="accent1"/>
+          </a:effectRef>
+          <a:fontRef idx="minor">
+            <a:schemeClr val="lt1"/>
+          </a:fontRef>
+        </p:style>
+        <p:txBody>
+          <a:bodyPr rtlCol="0" anchor="ctr"/>
+          <a:lstStyle/>
+          <a:p>
+            <a:pPr algn="ctr"/>
+            <a:r>
+              <a:rPr lang="en-US" b="1" dirty="0">
+                <a:solidFill>
+                  <a:schemeClr val="accent2"/>
+                </a:solidFill>
+                <a:latin typeface="Yu Gothic" panose="020B0400000000000000" pitchFamily="34" charset="-128"/>
+                <a:ea typeface="Yu Gothic" panose="020B0400000000000000" pitchFamily="34" charset="-128"/>
+              </a:rPr>
+              <a:t>'Hell0 Pyth0n'</a:t>
+            </a:r>
+          </a:p>
+        </p:txBody>
+      </p:sp>
+      <p:sp>
+        <p:nvSpPr>
+          <p:cNvPr id="25" name="Rounded Rectangle 24">
+            <a:extLst>
+              <a:ext uri="{FF2B5EF4-FFF2-40B4-BE49-F238E27FC236}">
+                <a16:creationId xmlns:a16="http://schemas.microsoft.com/office/drawing/2014/main" id="{B5A77395-13EE-6746-9F1A-765C288C90C4}"/>
+              </a:ext>
+            </a:extLst>
+          </p:cNvPr>
+          <p:cNvSpPr/>
+          <p:nvPr/>
+        </p:nvSpPr>
+        <p:spPr>
+          <a:xfrm>
+            <a:off x="3207691" y="5352516"/>
+            <a:ext cx="1821507" cy="686182"/>
+          </a:xfrm>
+          <a:prstGeom prst="roundRect">
+            <a:avLst/>
+          </a:prstGeom>
+          <a:solidFill>
+            <a:schemeClr val="bg1"/>
+          </a:solidFill>
+          <a:ln w="76200">
+            <a:noFill/>
+          </a:ln>
+        </p:spPr>
+        <p:style>
+          <a:lnRef idx="2">
+            <a:schemeClr val="accent1">
+              <a:shade val="50000"/>
+            </a:schemeClr>
+          </a:lnRef>
+          <a:fillRef idx="1">
+            <a:schemeClr val="accent1"/>
+          </a:fillRef>
+          <a:effectRef idx="0">
+            <a:schemeClr val="accent1"/>
+          </a:effectRef>
+          <a:fontRef idx="minor">
+            <a:schemeClr val="lt1"/>
+          </a:fontRef>
+        </p:style>
+        <p:txBody>
+          <a:bodyPr rtlCol="0" anchor="ctr"/>
+          <a:lstStyle/>
+          <a:p>
+            <a:pPr algn="ctr"/>
+            <a:r>
+              <a:rPr lang="ja-JP" altLang="en-US" b="1" dirty="0">
+                <a:solidFill>
+                  <a:schemeClr val="accent2"/>
+                </a:solidFill>
+                <a:latin typeface="+mn-ea"/>
+              </a:rPr>
+              <a:t>メソッド</a:t>
+            </a:r>
+            <a:endParaRPr lang="en-US" b="1" dirty="0">
+              <a:solidFill>
+                <a:schemeClr val="accent2"/>
+              </a:solidFill>
+              <a:latin typeface="+mn-ea"/>
+            </a:endParaRPr>
+          </a:p>
+        </p:txBody>
+      </p:sp>
+      <p:sp>
+        <p:nvSpPr>
+          <p:cNvPr id="26" name="Rounded Rectangle 25">
+            <a:extLst>
+              <a:ext uri="{FF2B5EF4-FFF2-40B4-BE49-F238E27FC236}">
+                <a16:creationId xmlns:a16="http://schemas.microsoft.com/office/drawing/2014/main" id="{8E9DA409-57FC-ED47-8DEF-52F9EF201C1B}"/>
+              </a:ext>
+            </a:extLst>
+          </p:cNvPr>
+          <p:cNvSpPr/>
+          <p:nvPr/>
+        </p:nvSpPr>
+        <p:spPr>
+          <a:xfrm>
+            <a:off x="7214499" y="3909073"/>
+            <a:ext cx="2438400" cy="2512194"/>
+          </a:xfrm>
+          <a:prstGeom prst="roundRect">
+            <a:avLst/>
+          </a:prstGeom>
+          <a:solidFill>
+            <a:schemeClr val="accent4"/>
+          </a:solidFill>
+          <a:ln w="76200">
+            <a:noFill/>
+          </a:ln>
+        </p:spPr>
+        <p:style>
+          <a:lnRef idx="2">
+            <a:schemeClr val="accent1">
+              <a:shade val="50000"/>
+            </a:schemeClr>
+          </a:lnRef>
+          <a:fillRef idx="1">
+            <a:schemeClr val="accent1"/>
+          </a:fillRef>
+          <a:effectRef idx="0">
+            <a:schemeClr val="accent1"/>
+          </a:effectRef>
+          <a:fontRef idx="minor">
+            <a:schemeClr val="lt1"/>
+          </a:fontRef>
+        </p:style>
+        <p:txBody>
+          <a:bodyPr rtlCol="0" anchor="ctr"/>
+          <a:lstStyle/>
+          <a:p>
+            <a:pPr algn="ctr"/>
+            <a:endParaRPr lang="en-US" b="1">
+              <a:solidFill>
+                <a:schemeClr val="accent4"/>
+              </a:solidFill>
+              <a:latin typeface="+mn-ea"/>
+            </a:endParaRPr>
+          </a:p>
+        </p:txBody>
+      </p:sp>
+      <p:sp>
+        <p:nvSpPr>
+          <p:cNvPr id="27" name="Rounded Rectangle 26">
+            <a:extLst>
+              <a:ext uri="{FF2B5EF4-FFF2-40B4-BE49-F238E27FC236}">
+                <a16:creationId xmlns:a16="http://schemas.microsoft.com/office/drawing/2014/main" id="{5A87F2AF-AED5-844C-B9F9-848DF8789DA1}"/>
+              </a:ext>
+            </a:extLst>
+          </p:cNvPr>
+          <p:cNvSpPr/>
+          <p:nvPr/>
+        </p:nvSpPr>
+        <p:spPr>
+          <a:xfrm>
+            <a:off x="7498883" y="4204669"/>
+            <a:ext cx="1821507" cy="686182"/>
+          </a:xfrm>
+          <a:prstGeom prst="roundRect">
+            <a:avLst/>
+          </a:prstGeom>
+          <a:solidFill>
+            <a:schemeClr val="bg1"/>
+          </a:solidFill>
+          <a:ln w="76200">
+            <a:noFill/>
+          </a:ln>
+        </p:spPr>
+        <p:style>
+          <a:lnRef idx="2">
+            <a:schemeClr val="accent1">
+              <a:shade val="50000"/>
+            </a:schemeClr>
+          </a:lnRef>
+          <a:fillRef idx="1">
+            <a:schemeClr val="accent1"/>
+          </a:fillRef>
+          <a:effectRef idx="0">
+            <a:schemeClr val="accent1"/>
+          </a:effectRef>
+          <a:fontRef idx="minor">
+            <a:schemeClr val="lt1"/>
+          </a:fontRef>
+        </p:style>
+        <p:txBody>
+          <a:bodyPr rtlCol="0" anchor="ctr"/>
+          <a:lstStyle/>
+          <a:p>
+            <a:pPr algn="ctr"/>
+            <a:endParaRPr lang="en-US" b="1" dirty="0">
+              <a:solidFill>
+                <a:schemeClr val="accent4"/>
+              </a:solidFill>
+              <a:latin typeface="+mn-ea"/>
+            </a:endParaRPr>
+          </a:p>
+        </p:txBody>
+      </p:sp>
+      <p:sp>
+        <p:nvSpPr>
+          <p:cNvPr id="28" name="Rounded Rectangle 27">
+            <a:extLst>
+              <a:ext uri="{FF2B5EF4-FFF2-40B4-BE49-F238E27FC236}">
+                <a16:creationId xmlns:a16="http://schemas.microsoft.com/office/drawing/2014/main" id="{25AB38AB-215F-4041-A292-CFB071473913}"/>
+              </a:ext>
+            </a:extLst>
+          </p:cNvPr>
+          <p:cNvSpPr/>
+          <p:nvPr/>
+        </p:nvSpPr>
+        <p:spPr>
+          <a:xfrm>
+            <a:off x="7498883" y="5335847"/>
+            <a:ext cx="1821507" cy="686182"/>
+          </a:xfrm>
+          <a:prstGeom prst="roundRect">
+            <a:avLst/>
+          </a:prstGeom>
+          <a:solidFill>
+            <a:schemeClr val="bg1"/>
+          </a:solidFill>
+          <a:ln w="76200">
+            <a:noFill/>
+          </a:ln>
+        </p:spPr>
+        <p:style>
+          <a:lnRef idx="2">
+            <a:schemeClr val="accent1">
+              <a:shade val="50000"/>
+            </a:schemeClr>
+          </a:lnRef>
+          <a:fillRef idx="1">
+            <a:schemeClr val="accent1"/>
+          </a:fillRef>
+          <a:effectRef idx="0">
+            <a:schemeClr val="accent1"/>
+          </a:effectRef>
+          <a:fontRef idx="minor">
+            <a:schemeClr val="lt1"/>
+          </a:fontRef>
+        </p:style>
+        <p:txBody>
+          <a:bodyPr rtlCol="0" anchor="ctr"/>
+          <a:lstStyle/>
+          <a:p>
+            <a:pPr algn="ctr"/>
+            <a:r>
+              <a:rPr lang="ja-JP" altLang="en-US" b="1" dirty="0">
+                <a:solidFill>
+                  <a:schemeClr val="accent4"/>
+                </a:solidFill>
+                <a:latin typeface="+mn-ea"/>
+              </a:rPr>
+              <a:t>メソッド</a:t>
+            </a:r>
+            <a:endParaRPr lang="en-US" b="1" dirty="0">
+              <a:solidFill>
+                <a:schemeClr val="accent4"/>
+              </a:solidFill>
+              <a:latin typeface="+mn-ea"/>
+            </a:endParaRPr>
+          </a:p>
+        </p:txBody>
+      </p:sp>
+      <p:sp>
+        <p:nvSpPr>
+          <p:cNvPr id="29" name="TextBox 28">
+            <a:extLst>
+              <a:ext uri="{FF2B5EF4-FFF2-40B4-BE49-F238E27FC236}">
+                <a16:creationId xmlns:a16="http://schemas.microsoft.com/office/drawing/2014/main" id="{81ECFD1C-EF85-2440-AECC-8FC8C1A3A2D1}"/>
+              </a:ext>
+            </a:extLst>
+          </p:cNvPr>
+          <p:cNvSpPr txBox="1"/>
+          <p:nvPr/>
+        </p:nvSpPr>
+        <p:spPr>
+          <a:xfrm>
+            <a:off x="569286" y="4975104"/>
+            <a:ext cx="2249334" cy="461665"/>
+          </a:xfrm>
+          <a:prstGeom prst="rect">
+            <a:avLst/>
+          </a:prstGeom>
+          <a:noFill/>
+        </p:spPr>
+        <p:txBody>
+          <a:bodyPr wrap="none" rtlCol="0">
+            <a:spAutoFit/>
+          </a:bodyPr>
+          <a:lstStyle/>
+          <a:p>
+            <a:r>
+              <a:rPr lang="ja-JP" altLang="en-US" sz="2400" b="1" dirty="0">
+                <a:solidFill>
+                  <a:schemeClr val="accent2"/>
+                </a:solidFill>
+                <a:latin typeface="+mn-ea"/>
+              </a:rPr>
+              <a:t>インスタンス</a:t>
+            </a:r>
+            <a:r>
+              <a:rPr lang="en-US" altLang="ja-JP" sz="2400" b="1" dirty="0">
+                <a:solidFill>
+                  <a:schemeClr val="accent2"/>
+                </a:solidFill>
+                <a:latin typeface="+mn-ea"/>
+              </a:rPr>
+              <a:t>B</a:t>
+            </a:r>
+            <a:endParaRPr lang="en-US" sz="2400" b="1" dirty="0">
+              <a:solidFill>
+                <a:schemeClr val="accent2"/>
+              </a:solidFill>
+              <a:latin typeface="+mn-ea"/>
+            </a:endParaRPr>
+          </a:p>
+        </p:txBody>
+      </p:sp>
+      <p:sp>
+        <p:nvSpPr>
+          <p:cNvPr id="30" name="TextBox 29">
+            <a:extLst>
+              <a:ext uri="{FF2B5EF4-FFF2-40B4-BE49-F238E27FC236}">
+                <a16:creationId xmlns:a16="http://schemas.microsoft.com/office/drawing/2014/main" id="{A99AAC99-82E3-BB42-925C-95A56D9CE37A}"/>
+              </a:ext>
+            </a:extLst>
+          </p:cNvPr>
+          <p:cNvSpPr txBox="1"/>
+          <p:nvPr/>
+        </p:nvSpPr>
+        <p:spPr>
+          <a:xfrm>
+            <a:off x="9684378" y="4907520"/>
+            <a:ext cx="2252540" cy="461665"/>
+          </a:xfrm>
+          <a:prstGeom prst="rect">
+            <a:avLst/>
+          </a:prstGeom>
+          <a:noFill/>
+        </p:spPr>
+        <p:txBody>
+          <a:bodyPr wrap="none" rtlCol="0">
+            <a:spAutoFit/>
+          </a:bodyPr>
+          <a:lstStyle/>
+          <a:p>
+            <a:r>
+              <a:rPr lang="ja-JP" altLang="en-US" sz="2400" b="1" dirty="0">
+                <a:solidFill>
+                  <a:schemeClr val="accent4"/>
+                </a:solidFill>
+                <a:latin typeface="+mn-ea"/>
+              </a:rPr>
+              <a:t>インスタンス</a:t>
+            </a:r>
+            <a:r>
+              <a:rPr lang="en-US" altLang="ja-JP" sz="2400" b="1" dirty="0">
+                <a:solidFill>
+                  <a:schemeClr val="accent4"/>
+                </a:solidFill>
+                <a:latin typeface="+mn-ea"/>
+              </a:rPr>
+              <a:t>C</a:t>
+            </a:r>
+            <a:endParaRPr lang="en-US" sz="2400" b="1" dirty="0">
+              <a:solidFill>
+                <a:schemeClr val="accent4"/>
+              </a:solidFill>
+              <a:latin typeface="+mn-ea"/>
+            </a:endParaRPr>
+          </a:p>
+        </p:txBody>
+      </p:sp>
+      <p:sp>
+        <p:nvSpPr>
+          <p:cNvPr id="31" name="Right Arrow 30">
+            <a:extLst>
+              <a:ext uri="{FF2B5EF4-FFF2-40B4-BE49-F238E27FC236}">
+                <a16:creationId xmlns:a16="http://schemas.microsoft.com/office/drawing/2014/main" id="{BBEB3FBC-71A8-0744-8BAF-1FAE2D439B79}"/>
+              </a:ext>
+            </a:extLst>
+          </p:cNvPr>
+          <p:cNvSpPr/>
+          <p:nvPr/>
+        </p:nvSpPr>
+        <p:spPr>
+          <a:xfrm rot="5400000">
+            <a:off x="3100921" y="2958158"/>
+            <a:ext cx="1055035" cy="568558"/>
+          </a:xfrm>
+          <a:prstGeom prst="rightArrow">
+            <a:avLst>
+              <a:gd name="adj1" fmla="val 50000"/>
+              <a:gd name="adj2" fmla="val 61851"/>
+            </a:avLst>
+          </a:prstGeom>
+          <a:solidFill>
+            <a:schemeClr val="accent2"/>
+          </a:solidFill>
+          <a:ln>
+            <a:noFill/>
+          </a:ln>
+        </p:spPr>
+        <p:style>
+          <a:lnRef idx="2">
+            <a:schemeClr val="accent1">
+              <a:shade val="50000"/>
+            </a:schemeClr>
+          </a:lnRef>
+          <a:fillRef idx="1">
+            <a:schemeClr val="accent1"/>
+          </a:fillRef>
+          <a:effectRef idx="0">
+            <a:schemeClr val="accent1"/>
+          </a:effectRef>
+          <a:fontRef idx="minor">
+            <a:schemeClr val="lt1"/>
+          </a:fontRef>
+        </p:style>
+        <p:txBody>
+          <a:bodyPr rtlCol="0" anchor="ctr"/>
+          <a:lstStyle/>
+          <a:p>
+            <a:pPr algn="ctr"/>
+            <a:endParaRPr lang="en-US" b="1">
+              <a:latin typeface="+mn-ea"/>
+            </a:endParaRPr>
+          </a:p>
+        </p:txBody>
+      </p:sp>
+      <p:sp>
+        <p:nvSpPr>
+          <p:cNvPr id="32" name="Right Arrow 31">
+            <a:extLst>
+              <a:ext uri="{FF2B5EF4-FFF2-40B4-BE49-F238E27FC236}">
+                <a16:creationId xmlns:a16="http://schemas.microsoft.com/office/drawing/2014/main" id="{72BD79C1-688A-AD4C-A813-A0ACCAB808C5}"/>
+              </a:ext>
+            </a:extLst>
+          </p:cNvPr>
+          <p:cNvSpPr/>
+          <p:nvPr/>
+        </p:nvSpPr>
+        <p:spPr>
+          <a:xfrm rot="5400000">
+            <a:off x="7451882" y="2961124"/>
+            <a:ext cx="1060968" cy="568558"/>
+          </a:xfrm>
+          <a:prstGeom prst="rightArrow">
+            <a:avLst>
+              <a:gd name="adj1" fmla="val 50000"/>
+              <a:gd name="adj2" fmla="val 61851"/>
+            </a:avLst>
+          </a:prstGeom>
+          <a:solidFill>
+            <a:schemeClr val="accent4"/>
+          </a:solidFill>
+          <a:ln>
+            <a:noFill/>
+          </a:ln>
+        </p:spPr>
+        <p:style>
+          <a:lnRef idx="2">
+            <a:schemeClr val="accent1">
+              <a:shade val="50000"/>
+            </a:schemeClr>
+          </a:lnRef>
+          <a:fillRef idx="1">
+            <a:schemeClr val="accent1"/>
+          </a:fillRef>
+          <a:effectRef idx="0">
+            <a:schemeClr val="accent1"/>
+          </a:effectRef>
+          <a:fontRef idx="minor">
+            <a:schemeClr val="lt1"/>
+          </a:fontRef>
+        </p:style>
+        <p:txBody>
+          <a:bodyPr rtlCol="0" anchor="ctr"/>
+          <a:lstStyle/>
+          <a:p>
+            <a:pPr algn="ctr"/>
+            <a:endParaRPr lang="en-US" b="1">
+              <a:latin typeface="+mn-ea"/>
+            </a:endParaRPr>
+          </a:p>
+        </p:txBody>
+      </p:sp>
+      <p:sp>
+        <p:nvSpPr>
+          <p:cNvPr id="33" name="TextBox 32">
+            <a:extLst>
+              <a:ext uri="{FF2B5EF4-FFF2-40B4-BE49-F238E27FC236}">
+                <a16:creationId xmlns:a16="http://schemas.microsoft.com/office/drawing/2014/main" id="{D13ABCA3-532B-8B4A-9FAC-D405B9C96E89}"/>
+              </a:ext>
+            </a:extLst>
+          </p:cNvPr>
+          <p:cNvSpPr txBox="1"/>
+          <p:nvPr/>
+        </p:nvSpPr>
+        <p:spPr>
+          <a:xfrm>
+            <a:off x="8205556" y="3369845"/>
+            <a:ext cx="954107" cy="400110"/>
+          </a:xfrm>
+          <a:prstGeom prst="rect">
+            <a:avLst/>
+          </a:prstGeom>
+          <a:noFill/>
+        </p:spPr>
+        <p:txBody>
+          <a:bodyPr wrap="none" rtlCol="0">
+            <a:spAutoFit/>
+          </a:bodyPr>
+          <a:lstStyle/>
+          <a:p>
+            <a:pPr algn="ctr"/>
+            <a:r>
+              <a:rPr lang="ja-JP" altLang="en-US" sz="2000" b="1" dirty="0">
+                <a:latin typeface="+mn-ea"/>
+              </a:rPr>
+              <a:t>返り値</a:t>
+            </a:r>
+            <a:endParaRPr lang="en-US" sz="2000" b="1" dirty="0">
+              <a:latin typeface="+mn-ea"/>
+            </a:endParaRPr>
+          </a:p>
+        </p:txBody>
+      </p:sp>
+      <p:sp>
+        <p:nvSpPr>
+          <p:cNvPr id="34" name="TextBox 33">
+            <a:extLst>
+              <a:ext uri="{FF2B5EF4-FFF2-40B4-BE49-F238E27FC236}">
+                <a16:creationId xmlns:a16="http://schemas.microsoft.com/office/drawing/2014/main" id="{80BF5846-EFBD-1348-80FE-1CB347318DEE}"/>
+              </a:ext>
+            </a:extLst>
+          </p:cNvPr>
+          <p:cNvSpPr txBox="1"/>
+          <p:nvPr/>
+        </p:nvSpPr>
+        <p:spPr>
+          <a:xfrm>
+            <a:off x="3899447" y="3369845"/>
+            <a:ext cx="954107" cy="400110"/>
+          </a:xfrm>
+          <a:prstGeom prst="rect">
+            <a:avLst/>
+          </a:prstGeom>
+          <a:noFill/>
+        </p:spPr>
+        <p:txBody>
+          <a:bodyPr wrap="none" rtlCol="0">
+            <a:spAutoFit/>
+          </a:bodyPr>
+          <a:lstStyle/>
+          <a:p>
+            <a:pPr algn="ctr"/>
+            <a:r>
+              <a:rPr lang="ja-JP" altLang="en-US" sz="2000" b="1" dirty="0">
+                <a:latin typeface="+mn-ea"/>
+              </a:rPr>
+              <a:t>返り値</a:t>
+            </a:r>
+            <a:endParaRPr lang="en-US" sz="2000" b="1" dirty="0">
+              <a:latin typeface="+mn-ea"/>
+            </a:endParaRPr>
+          </a:p>
+        </p:txBody>
+      </p:sp>
+      <p:sp>
+        <p:nvSpPr>
+          <p:cNvPr id="35" name="TextBox 34">
+            <a:extLst>
+              <a:ext uri="{FF2B5EF4-FFF2-40B4-BE49-F238E27FC236}">
+                <a16:creationId xmlns:a16="http://schemas.microsoft.com/office/drawing/2014/main" id="{8B76235A-F408-5844-9B31-7BC4E1629EB1}"/>
+              </a:ext>
+            </a:extLst>
+          </p:cNvPr>
+          <p:cNvSpPr txBox="1"/>
+          <p:nvPr/>
+        </p:nvSpPr>
+        <p:spPr>
+          <a:xfrm>
+            <a:off x="7444914" y="4395152"/>
+            <a:ext cx="1943161" cy="338554"/>
+          </a:xfrm>
+          <a:prstGeom prst="rect">
+            <a:avLst/>
+          </a:prstGeom>
+          <a:noFill/>
+        </p:spPr>
+        <p:txBody>
+          <a:bodyPr wrap="none" rtlCol="0">
+            <a:spAutoFit/>
+          </a:bodyPr>
+          <a:lstStyle/>
+          <a:p>
+            <a:r>
+              <a:rPr lang="en-US" sz="1600" b="1" dirty="0">
+                <a:solidFill>
+                  <a:schemeClr val="accent4"/>
+                </a:solidFill>
+                <a:latin typeface="Yu Gothic" panose="020B0400000000000000" pitchFamily="34" charset="-128"/>
+                <a:ea typeface="Yu Gothic" panose="020B0400000000000000" pitchFamily="34" charset="-128"/>
+              </a:rPr>
+              <a:t>'HELLO PYTHON'</a:t>
+            </a:r>
+            <a:endParaRPr lang="en-US" sz="1600" dirty="0">
+              <a:solidFill>
+                <a:schemeClr val="accent4"/>
+              </a:solidFill>
+              <a:latin typeface="Yu Gothic" panose="020B0400000000000000" pitchFamily="34" charset="-128"/>
+              <a:ea typeface="Yu Gothic" panose="020B0400000000000000" pitchFamily="34" charset="-128"/>
+            </a:endParaRPr>
+          </a:p>
+        </p:txBody>
+      </p:sp>
+    </p:spTree>
+    <p:extLst>
+      <p:ext uri="{BB962C8B-B14F-4D97-AF65-F5344CB8AC3E}">
+        <p14:creationId xmlns:p14="http://schemas.microsoft.com/office/powerpoint/2010/main" val="516388387"/>
+      </p:ext>
+    </p:extLst>
+  </p:cSld>
+  <p:clrMapOvr>
+    <a:masterClrMapping/>
+  </p:clrMapOvr>
+</p:sld>
+</file>
+
+<file path=ppt/slides/slide5.xml><?xml version="1.0" encoding="utf-8"?>
+<p:sld xmlns:a="http://schemas.openxmlformats.org/drawingml/2006/main" xmlns:r="http://schemas.openxmlformats.org/officeDocument/2006/relationships" xmlns:p="http://schemas.openxmlformats.org/presentationml/2006/main">
+  <p:cSld>
+    <p:spTree>
+      <p:nvGrpSpPr>
+        <p:cNvPr id="1" name=""/>
+        <p:cNvGrpSpPr/>
+        <p:nvPr/>
+      </p:nvGrpSpPr>
+      <p:grpSpPr>
+        <a:xfrm>
+          <a:off x="0" y="0"/>
+          <a:ext cx="0" cy="0"/>
+          <a:chOff x="0" y="0"/>
+          <a:chExt cx="0" cy="0"/>
+        </a:xfrm>
+      </p:grpSpPr>
+      <p:sp>
+        <p:nvSpPr>
+          <p:cNvPr id="4" name="TextBox 3">
+            <a:extLst>
+              <a:ext uri="{FF2B5EF4-FFF2-40B4-BE49-F238E27FC236}">
+                <a16:creationId xmlns:a16="http://schemas.microsoft.com/office/drawing/2014/main" id="{2AD68E0B-F101-6C46-8957-D91D190D1611}"/>
+              </a:ext>
+            </a:extLst>
+          </p:cNvPr>
+          <p:cNvSpPr txBox="1"/>
+          <p:nvPr/>
+        </p:nvSpPr>
+        <p:spPr>
+          <a:xfrm>
+            <a:off x="2705494" y="1131217"/>
+            <a:ext cx="7909538" cy="461665"/>
+          </a:xfrm>
+          <a:prstGeom prst="rect">
+            <a:avLst/>
+          </a:prstGeom>
+          <a:noFill/>
+        </p:spPr>
+        <p:txBody>
+          <a:bodyPr wrap="none" rtlCol="0">
+            <a:spAutoFit/>
+          </a:bodyPr>
+          <a:lstStyle/>
+          <a:p>
+            <a:r>
+              <a:rPr lang="en-US" sz="2400" b="1" dirty="0">
+                <a:latin typeface="Yu Gothic" panose="020B0400000000000000" pitchFamily="34" charset="-128"/>
+                <a:ea typeface="Yu Gothic" panose="020B0400000000000000" pitchFamily="34" charset="-128"/>
+              </a:rPr>
+              <a:t>'Hello Python'.replace('o', '0').replace('l', '1').upper()</a:t>
+            </a:r>
+          </a:p>
+        </p:txBody>
+      </p:sp>
+      <p:cxnSp>
+        <p:nvCxnSpPr>
+          <p:cNvPr id="6" name="Straight Connector 5">
+            <a:extLst>
+              <a:ext uri="{FF2B5EF4-FFF2-40B4-BE49-F238E27FC236}">
+                <a16:creationId xmlns:a16="http://schemas.microsoft.com/office/drawing/2014/main" id="{34969E4E-70E8-C84F-BDF1-20BC240749F6}"/>
+              </a:ext>
+            </a:extLst>
+          </p:cNvPr>
+          <p:cNvCxnSpPr>
+            <a:cxnSpLocks/>
+          </p:cNvCxnSpPr>
+          <p:nvPr/>
+        </p:nvCxnSpPr>
+        <p:spPr>
+          <a:xfrm>
+            <a:off x="2705494" y="1706252"/>
+            <a:ext cx="4468305" cy="0"/>
+          </a:xfrm>
+          <a:prstGeom prst="line">
+            <a:avLst/>
+          </a:prstGeom>
+          <a:ln w="76200"/>
+        </p:spPr>
+        <p:style>
+          <a:lnRef idx="1">
+            <a:schemeClr val="accent1"/>
+          </a:lnRef>
+          <a:fillRef idx="0">
+            <a:schemeClr val="accent1"/>
+          </a:fillRef>
+          <a:effectRef idx="0">
+            <a:schemeClr val="accent1"/>
+          </a:effectRef>
+          <a:fontRef idx="minor">
+            <a:schemeClr val="tx1"/>
+          </a:fontRef>
+        </p:style>
+      </p:cxnSp>
+      <p:sp>
+        <p:nvSpPr>
+          <p:cNvPr id="8" name="TextBox 7">
+            <a:extLst>
+              <a:ext uri="{FF2B5EF4-FFF2-40B4-BE49-F238E27FC236}">
+                <a16:creationId xmlns:a16="http://schemas.microsoft.com/office/drawing/2014/main" id="{853E5CB9-36B2-4149-8C05-393EDF8FEB6A}"/>
+              </a:ext>
+            </a:extLst>
+          </p:cNvPr>
+          <p:cNvSpPr txBox="1"/>
+          <p:nvPr/>
+        </p:nvSpPr>
+        <p:spPr>
+          <a:xfrm>
+            <a:off x="4983362" y="1866507"/>
+            <a:ext cx="5631670" cy="461665"/>
+          </a:xfrm>
+          <a:prstGeom prst="rect">
+            <a:avLst/>
+          </a:prstGeom>
+          <a:noFill/>
+        </p:spPr>
+        <p:txBody>
+          <a:bodyPr wrap="none" rtlCol="0">
+            <a:spAutoFit/>
+          </a:bodyPr>
+          <a:lstStyle/>
+          <a:p>
+            <a:r>
+              <a:rPr lang="en-US" sz="2400" b="1" dirty="0">
+                <a:solidFill>
+                  <a:schemeClr val="accent1"/>
+                </a:solidFill>
+                <a:latin typeface="Yu Gothic" panose="020B0400000000000000" pitchFamily="34" charset="-128"/>
+                <a:ea typeface="Yu Gothic" panose="020B0400000000000000" pitchFamily="34" charset="-128"/>
+              </a:rPr>
+              <a:t>'Hell0 Pyth0n'</a:t>
+            </a:r>
+            <a:r>
+              <a:rPr lang="en-US" sz="2400" b="1" dirty="0">
+                <a:latin typeface="Yu Gothic" panose="020B0400000000000000" pitchFamily="34" charset="-128"/>
+                <a:ea typeface="Yu Gothic" panose="020B0400000000000000" pitchFamily="34" charset="-128"/>
+              </a:rPr>
+              <a:t>.replace('l', '1').upper()</a:t>
+            </a:r>
+          </a:p>
+        </p:txBody>
+      </p:sp>
+      <p:cxnSp>
+        <p:nvCxnSpPr>
+          <p:cNvPr id="9" name="Straight Connector 8">
+            <a:extLst>
+              <a:ext uri="{FF2B5EF4-FFF2-40B4-BE49-F238E27FC236}">
+                <a16:creationId xmlns:a16="http://schemas.microsoft.com/office/drawing/2014/main" id="{B198A9AE-2B29-1143-948E-A2DA38BE4CA9}"/>
+              </a:ext>
+            </a:extLst>
+          </p:cNvPr>
+          <p:cNvCxnSpPr>
+            <a:cxnSpLocks/>
+          </p:cNvCxnSpPr>
+          <p:nvPr/>
+        </p:nvCxnSpPr>
+        <p:spPr>
+          <a:xfrm>
+            <a:off x="5092046" y="2433687"/>
+            <a:ext cx="4297051" cy="0"/>
+          </a:xfrm>
+          <a:prstGeom prst="line">
+            <a:avLst/>
+          </a:prstGeom>
+          <a:ln w="76200">
+            <a:solidFill>
+              <a:schemeClr val="accent2"/>
+            </a:solidFill>
+          </a:ln>
+        </p:spPr>
+        <p:style>
+          <a:lnRef idx="1">
+            <a:schemeClr val="accent1"/>
+          </a:lnRef>
+          <a:fillRef idx="0">
+            <a:schemeClr val="accent1"/>
+          </a:fillRef>
+          <a:effectRef idx="0">
+            <a:schemeClr val="accent1"/>
+          </a:effectRef>
+          <a:fontRef idx="minor">
+            <a:schemeClr val="tx1"/>
+          </a:fontRef>
+        </p:style>
+      </p:cxnSp>
+      <p:sp>
+        <p:nvSpPr>
+          <p:cNvPr id="11" name="TextBox 10">
+            <a:extLst>
+              <a:ext uri="{FF2B5EF4-FFF2-40B4-BE49-F238E27FC236}">
+                <a16:creationId xmlns:a16="http://schemas.microsoft.com/office/drawing/2014/main" id="{CB262893-926D-F045-BD7E-CE64AD92A937}"/>
+              </a:ext>
+            </a:extLst>
+          </p:cNvPr>
+          <p:cNvSpPr txBox="1"/>
+          <p:nvPr/>
+        </p:nvSpPr>
+        <p:spPr>
+          <a:xfrm>
+            <a:off x="6974998" y="2573766"/>
+            <a:ext cx="3624710" cy="461665"/>
+          </a:xfrm>
+          <a:prstGeom prst="rect">
+            <a:avLst/>
+          </a:prstGeom>
+          <a:noFill/>
+        </p:spPr>
+        <p:txBody>
+          <a:bodyPr wrap="none" rtlCol="0">
+            <a:spAutoFit/>
+          </a:bodyPr>
+          <a:lstStyle/>
+          <a:p>
+            <a:r>
+              <a:rPr lang="en-US" sz="2400" b="1" dirty="0">
+                <a:solidFill>
+                  <a:schemeClr val="accent2"/>
+                </a:solidFill>
+                <a:latin typeface="Yu Gothic" panose="020B0400000000000000" pitchFamily="34" charset="-128"/>
+                <a:ea typeface="Yu Gothic" panose="020B0400000000000000" pitchFamily="34" charset="-128"/>
+              </a:rPr>
+              <a:t>'He110 Pyth0n'</a:t>
+            </a:r>
+            <a:r>
+              <a:rPr lang="en-US" sz="2400" b="1" dirty="0">
+                <a:latin typeface="Yu Gothic" panose="020B0400000000000000" pitchFamily="34" charset="-128"/>
+                <a:ea typeface="Yu Gothic" panose="020B0400000000000000" pitchFamily="34" charset="-128"/>
+              </a:rPr>
+              <a:t>.upper()</a:t>
+            </a:r>
+          </a:p>
+        </p:txBody>
+      </p:sp>
+      <p:cxnSp>
+        <p:nvCxnSpPr>
+          <p:cNvPr id="12" name="Straight Connector 11">
+            <a:extLst>
+              <a:ext uri="{FF2B5EF4-FFF2-40B4-BE49-F238E27FC236}">
+                <a16:creationId xmlns:a16="http://schemas.microsoft.com/office/drawing/2014/main" id="{C9A46E4B-F5A1-D540-BFBD-1F887358DB6E}"/>
+              </a:ext>
+            </a:extLst>
+          </p:cNvPr>
+          <p:cNvCxnSpPr>
+            <a:cxnSpLocks/>
+          </p:cNvCxnSpPr>
+          <p:nvPr/>
+        </p:nvCxnSpPr>
+        <p:spPr>
+          <a:xfrm>
+            <a:off x="7092100" y="3142268"/>
+            <a:ext cx="3390506" cy="0"/>
+          </a:xfrm>
+          <a:prstGeom prst="line">
+            <a:avLst/>
+          </a:prstGeom>
+          <a:ln w="76200">
+            <a:solidFill>
+              <a:schemeClr val="accent4"/>
+            </a:solidFill>
+          </a:ln>
+        </p:spPr>
+        <p:style>
+          <a:lnRef idx="1">
+            <a:schemeClr val="accent1"/>
+          </a:lnRef>
+          <a:fillRef idx="0">
+            <a:schemeClr val="accent1"/>
+          </a:fillRef>
+          <a:effectRef idx="0">
+            <a:schemeClr val="accent1"/>
+          </a:effectRef>
+          <a:fontRef idx="minor">
+            <a:schemeClr val="tx1"/>
+          </a:fontRef>
+        </p:style>
+      </p:cxnSp>
+      <p:sp>
+        <p:nvSpPr>
+          <p:cNvPr id="14" name="TextBox 13">
+            <a:extLst>
+              <a:ext uri="{FF2B5EF4-FFF2-40B4-BE49-F238E27FC236}">
+                <a16:creationId xmlns:a16="http://schemas.microsoft.com/office/drawing/2014/main" id="{871E9A03-DEB2-BA4B-9CCA-E2179041D3FB}"/>
+              </a:ext>
+            </a:extLst>
+          </p:cNvPr>
+          <p:cNvSpPr txBox="1"/>
+          <p:nvPr/>
+        </p:nvSpPr>
+        <p:spPr>
+          <a:xfrm>
+            <a:off x="7945712" y="3281025"/>
+            <a:ext cx="2669320" cy="461665"/>
+          </a:xfrm>
+          <a:prstGeom prst="rect">
+            <a:avLst/>
+          </a:prstGeom>
+          <a:noFill/>
+        </p:spPr>
+        <p:txBody>
+          <a:bodyPr wrap="none" rtlCol="0">
+            <a:spAutoFit/>
+          </a:bodyPr>
+          <a:lstStyle/>
+          <a:p>
+            <a:r>
+              <a:rPr lang="en-US" sz="2400" b="1" dirty="0">
+                <a:solidFill>
+                  <a:schemeClr val="accent4"/>
+                </a:solidFill>
+                <a:latin typeface="Yu Gothic" panose="020B0400000000000000" pitchFamily="34" charset="-128"/>
+                <a:ea typeface="Yu Gothic" panose="020B0400000000000000" pitchFamily="34" charset="-128"/>
+              </a:rPr>
+              <a:t>'HE110 PYTH0N'</a:t>
+            </a:r>
+          </a:p>
+        </p:txBody>
+      </p:sp>
+      <p:sp>
+        <p:nvSpPr>
+          <p:cNvPr id="16" name="Right Arrow 15">
+            <a:extLst>
+              <a:ext uri="{FF2B5EF4-FFF2-40B4-BE49-F238E27FC236}">
+                <a16:creationId xmlns:a16="http://schemas.microsoft.com/office/drawing/2014/main" id="{F26CFDDF-1299-C74A-B825-F0A960121D19}"/>
+              </a:ext>
+            </a:extLst>
+          </p:cNvPr>
+          <p:cNvSpPr/>
+          <p:nvPr/>
+        </p:nvSpPr>
+        <p:spPr>
+          <a:xfrm rot="5400000">
+            <a:off x="809539" y="2251780"/>
+            <a:ext cx="2733772" cy="568558"/>
+          </a:xfrm>
+          <a:prstGeom prst="rightArrow">
+            <a:avLst>
+              <a:gd name="adj1" fmla="val 50000"/>
+              <a:gd name="adj2" fmla="val 61851"/>
+            </a:avLst>
+          </a:prstGeom>
+          <a:solidFill>
+            <a:schemeClr val="tx2">
+              <a:lumMod val="65000"/>
+              <a:lumOff val="35000"/>
+            </a:schemeClr>
+          </a:solidFill>
+          <a:ln>
+            <a:noFill/>
+          </a:ln>
+        </p:spPr>
+        <p:style>
+          <a:lnRef idx="2">
+            <a:schemeClr val="accent1">
+              <a:shade val="50000"/>
+            </a:schemeClr>
+          </a:lnRef>
+          <a:fillRef idx="1">
+            <a:schemeClr val="accent1"/>
+          </a:fillRef>
+          <a:effectRef idx="0">
+            <a:schemeClr val="accent1"/>
+          </a:effectRef>
+          <a:fontRef idx="minor">
+            <a:schemeClr val="lt1"/>
+          </a:fontRef>
+        </p:style>
+        <p:txBody>
+          <a:bodyPr rtlCol="0" anchor="ctr"/>
+          <a:lstStyle/>
+          <a:p>
+            <a:pPr algn="ctr"/>
+            <a:endParaRPr lang="en-US" b="1">
+              <a:latin typeface="+mn-ea"/>
+            </a:endParaRPr>
+          </a:p>
+        </p:txBody>
+      </p:sp>
+      <p:sp>
+        <p:nvSpPr>
+          <p:cNvPr id="17" name="TextBox 16">
+            <a:extLst>
+              <a:ext uri="{FF2B5EF4-FFF2-40B4-BE49-F238E27FC236}">
+                <a16:creationId xmlns:a16="http://schemas.microsoft.com/office/drawing/2014/main" id="{0EB4DFF9-2221-3E44-B4E3-C119932D07FB}"/>
+              </a:ext>
+            </a:extLst>
+          </p:cNvPr>
+          <p:cNvSpPr txBox="1"/>
+          <p:nvPr/>
+        </p:nvSpPr>
+        <p:spPr>
+          <a:xfrm>
+            <a:off x="1314650" y="4016315"/>
+            <a:ext cx="1723549" cy="461665"/>
+          </a:xfrm>
+          <a:prstGeom prst="rect">
+            <a:avLst/>
+          </a:prstGeom>
+          <a:noFill/>
+        </p:spPr>
+        <p:txBody>
+          <a:bodyPr wrap="none" rtlCol="0">
+            <a:spAutoFit/>
+          </a:bodyPr>
+          <a:lstStyle/>
+          <a:p>
+            <a:r>
+              <a:rPr lang="ja-JP" altLang="en-US" sz="2400" b="1" dirty="0">
+                <a:latin typeface="Yu Gothic" panose="020B0400000000000000" pitchFamily="34" charset="-128"/>
+                <a:ea typeface="Yu Gothic" panose="020B0400000000000000" pitchFamily="34" charset="-128"/>
+              </a:rPr>
+              <a:t>処理の流れ</a:t>
+            </a:r>
+            <a:endParaRPr lang="en-US" sz="2400" b="1" dirty="0">
+              <a:latin typeface="Yu Gothic" panose="020B0400000000000000" pitchFamily="34" charset="-128"/>
+              <a:ea typeface="Yu Gothic" panose="020B0400000000000000" pitchFamily="34" charset="-128"/>
+            </a:endParaRPr>
+          </a:p>
+        </p:txBody>
+      </p:sp>
+    </p:spTree>
+    <p:extLst>
+      <p:ext uri="{BB962C8B-B14F-4D97-AF65-F5344CB8AC3E}">
+        <p14:creationId xmlns:p14="http://schemas.microsoft.com/office/powerpoint/2010/main" val="3308564719"/>
       </p:ext>
     </p:extLst>
   </p:cSld>
